--- a/1. Bahan Ajar/PribadiTeguh-PBO-TI20192020-3-4-03.Pengenalan Pemrograman PBO.pptx
+++ b/1. Bahan Ajar/PribadiTeguh-PBO-TI20192020-3-4-03.Pengenalan Pemrograman PBO.pptx
@@ -6,10 +6,10 @@
     <p:sldMasterId id="2147483666" r:id="rId2"/>
   </p:sldMasterIdLst>
   <p:notesMasterIdLst>
-    <p:notesMasterId r:id="rId37"/>
+    <p:notesMasterId r:id="rId28"/>
   </p:notesMasterIdLst>
   <p:handoutMasterIdLst>
-    <p:handoutMasterId r:id="rId38"/>
+    <p:handoutMasterId r:id="rId29"/>
   </p:handoutMasterIdLst>
   <p:sldIdLst>
     <p:sldId id="256" r:id="rId3"/>
@@ -19,33 +19,24 @@
     <p:sldId id="522" r:id="rId7"/>
     <p:sldId id="435" r:id="rId8"/>
     <p:sldId id="436" r:id="rId9"/>
-    <p:sldId id="523" r:id="rId10"/>
-    <p:sldId id="524" r:id="rId11"/>
-    <p:sldId id="525" r:id="rId12"/>
-    <p:sldId id="526" r:id="rId13"/>
-    <p:sldId id="527" r:id="rId14"/>
-    <p:sldId id="446" r:id="rId15"/>
-    <p:sldId id="530" r:id="rId16"/>
-    <p:sldId id="449" r:id="rId17"/>
-    <p:sldId id="529" r:id="rId18"/>
-    <p:sldId id="443" r:id="rId19"/>
-    <p:sldId id="528" r:id="rId20"/>
-    <p:sldId id="531" r:id="rId21"/>
-    <p:sldId id="532" r:id="rId22"/>
-    <p:sldId id="533" r:id="rId23"/>
-    <p:sldId id="520" r:id="rId24"/>
-    <p:sldId id="534" r:id="rId25"/>
-    <p:sldId id="478" r:id="rId26"/>
-    <p:sldId id="538" r:id="rId27"/>
-    <p:sldId id="539" r:id="rId28"/>
-    <p:sldId id="540" r:id="rId29"/>
-    <p:sldId id="521" r:id="rId30"/>
-    <p:sldId id="541" r:id="rId31"/>
-    <p:sldId id="543" r:id="rId32"/>
-    <p:sldId id="547" r:id="rId33"/>
-    <p:sldId id="549" r:id="rId34"/>
-    <p:sldId id="548" r:id="rId35"/>
-    <p:sldId id="546" r:id="rId36"/>
+    <p:sldId id="550" r:id="rId10"/>
+    <p:sldId id="523" r:id="rId11"/>
+    <p:sldId id="524" r:id="rId12"/>
+    <p:sldId id="525" r:id="rId13"/>
+    <p:sldId id="526" r:id="rId14"/>
+    <p:sldId id="527" r:id="rId15"/>
+    <p:sldId id="551" r:id="rId16"/>
+    <p:sldId id="446" r:id="rId17"/>
+    <p:sldId id="530" r:id="rId18"/>
+    <p:sldId id="552" r:id="rId19"/>
+    <p:sldId id="449" r:id="rId20"/>
+    <p:sldId id="529" r:id="rId21"/>
+    <p:sldId id="553" r:id="rId22"/>
+    <p:sldId id="443" r:id="rId23"/>
+    <p:sldId id="528" r:id="rId24"/>
+    <p:sldId id="531" r:id="rId25"/>
+    <p:sldId id="532" r:id="rId26"/>
+    <p:sldId id="533" r:id="rId27"/>
   </p:sldIdLst>
   <p:sldSz cx="9144000" cy="6858000" type="screen4x3"/>
   <p:notesSz cx="6858000" cy="9144000"/>
@@ -248,7 +239,7 @@
           <a:p>
             <a:fld id="{CCC21BEF-BE28-4E76-9D60-7138FB889744}" type="datetimeFigureOut">
               <a:rPr lang="en-US" smtClean="0"/>
-              <a:t>9/15/2019</a:t>
+              <a:t>9/17/2019</a:t>
             </a:fld>
             <a:endParaRPr lang="en-US"/>
           </a:p>
@@ -414,7 +405,7 @@
           <a:p>
             <a:fld id="{EECF35F7-200E-49D6-8B7C-AD2DD13040E3}" type="datetimeFigureOut">
               <a:rPr lang="id-ID" smtClean="0"/>
-              <a:t>15/09/2019</a:t>
+              <a:t>17/09/2019</a:t>
             </a:fld>
             <a:endParaRPr lang="id-ID"/>
           </a:p>
@@ -748,7 +739,7 @@
           <a:p>
             <a:fld id="{6790C1C7-BF9C-4053-A71D-7636933128B2}" type="slidenum">
               <a:rPr lang="en-US" smtClean="0"/>
-              <a:t>13</a:t>
+              <a:t>15</a:t>
             </a:fld>
             <a:endParaRPr lang="en-US"/>
           </a:p>
@@ -879,7 +870,7 @@
                 <a:tabLst/>
                 <a:defRPr/>
               </a:pPr>
-              <a:t>15</a:t>
+              <a:t>18</a:t>
             </a:fld>
             <a:endParaRPr kumimoji="0" lang="en-US" sz="1200" b="0" i="0" u="none" strike="noStrike" kern="1200" cap="none" spc="0" normalizeH="0" baseline="0" noProof="0">
               <a:ln>
@@ -976,7 +967,7 @@
           <a:p>
             <a:fld id="{6790C1C7-BF9C-4053-A71D-7636933128B2}" type="slidenum">
               <a:rPr lang="en-US" smtClean="0"/>
-              <a:t>17</a:t>
+              <a:t>21</a:t>
             </a:fld>
             <a:endParaRPr lang="en-US"/>
           </a:p>
@@ -6009,6 +6000,128 @@
           <a:lstStyle/>
           <a:p>
             <a:r>
+              <a:rPr lang="en-US" dirty="0" err="1"/>
+              <a:t>Buat</a:t>
+            </a:r>
+            <a:r>
+              <a:rPr lang="en-US" dirty="0"/>
+              <a:t> Main class </a:t>
+            </a:r>
+            <a:r>
+              <a:rPr lang="en-US" dirty="0" err="1"/>
+              <a:t>Sinauclass</a:t>
+            </a:r>
+            <a:endParaRPr lang="en-ID" dirty="0"/>
+          </a:p>
+        </p:txBody>
+      </p:sp>
+      <p:sp>
+        <p:nvSpPr>
+          <p:cNvPr id="3" name="Content Placeholder 2">
+            <a:extLst>
+              <a:ext uri="{FF2B5EF4-FFF2-40B4-BE49-F238E27FC236}">
+                <a16:creationId xmlns:a16="http://schemas.microsoft.com/office/drawing/2014/main" id="{A367ABF0-5CA4-400C-95E1-DB985DE1985B}"/>
+              </a:ext>
+            </a:extLst>
+          </p:cNvPr>
+          <p:cNvSpPr>
+            <a:spLocks noGrp="1"/>
+          </p:cNvSpPr>
+          <p:nvPr>
+            <p:ph idx="1"/>
+          </p:nvPr>
+        </p:nvSpPr>
+        <p:spPr/>
+        <p:txBody>
+          <a:bodyPr/>
+          <a:lstStyle/>
+          <a:p>
+            <a:endParaRPr lang="en-ID" b="1" dirty="0"/>
+          </a:p>
+        </p:txBody>
+      </p:sp>
+      <p:pic>
+        <p:nvPicPr>
+          <p:cNvPr id="4" name="Picture 3">
+            <a:extLst>
+              <a:ext uri="{FF2B5EF4-FFF2-40B4-BE49-F238E27FC236}">
+                <a16:creationId xmlns:a16="http://schemas.microsoft.com/office/drawing/2014/main" id="{70327AEC-2DAF-49D2-A88E-D3C48BB2E2E6}"/>
+              </a:ext>
+            </a:extLst>
+          </p:cNvPr>
+          <p:cNvPicPr>
+            <a:picLocks noChangeAspect="1"/>
+          </p:cNvPicPr>
+          <p:nvPr/>
+        </p:nvPicPr>
+        <p:blipFill>
+          <a:blip r:embed="rId2"/>
+          <a:stretch>
+            <a:fillRect/>
+          </a:stretch>
+        </p:blipFill>
+        <p:spPr>
+          <a:xfrm>
+            <a:off x="0" y="1658982"/>
+            <a:ext cx="9144000" cy="4383566"/>
+          </a:xfrm>
+          <a:prstGeom prst="rect">
+            <a:avLst/>
+          </a:prstGeom>
+        </p:spPr>
+      </p:pic>
+    </p:spTree>
+    <p:extLst>
+      <p:ext uri="{BB962C8B-B14F-4D97-AF65-F5344CB8AC3E}">
+        <p14:creationId xmlns:p14="http://schemas.microsoft.com/office/powerpoint/2010/main" val="1832995932"/>
+      </p:ext>
+    </p:extLst>
+  </p:cSld>
+  <p:clrMapOvr>
+    <a:masterClrMapping/>
+  </p:clrMapOvr>
+</p:sld>
+</file>
+
+<file path=ppt/slides/slide11.xml><?xml version="1.0" encoding="utf-8"?>
+<p:sld xmlns:a="http://schemas.openxmlformats.org/drawingml/2006/main" xmlns:r="http://schemas.openxmlformats.org/officeDocument/2006/relationships" xmlns:p="http://schemas.openxmlformats.org/presentationml/2006/main">
+  <p:cSld>
+    <p:spTree>
+      <p:nvGrpSpPr>
+        <p:cNvPr id="1" name=""/>
+        <p:cNvGrpSpPr/>
+        <p:nvPr/>
+      </p:nvGrpSpPr>
+      <p:grpSpPr>
+        <a:xfrm>
+          <a:off x="0" y="0"/>
+          <a:ext cx="0" cy="0"/>
+          <a:chOff x="0" y="0"/>
+          <a:chExt cx="0" cy="0"/>
+        </a:xfrm>
+      </p:grpSpPr>
+      <p:sp>
+        <p:nvSpPr>
+          <p:cNvPr id="2" name="Title 1">
+            <a:extLst>
+              <a:ext uri="{FF2B5EF4-FFF2-40B4-BE49-F238E27FC236}">
+                <a16:creationId xmlns:a16="http://schemas.microsoft.com/office/drawing/2014/main" id="{552044BD-FA12-4950-A790-EE44065DCC50}"/>
+              </a:ext>
+            </a:extLst>
+          </p:cNvPr>
+          <p:cNvSpPr>
+            <a:spLocks noGrp="1"/>
+          </p:cNvSpPr>
+          <p:nvPr>
+            <p:ph type="title"/>
+          </p:nvPr>
+        </p:nvSpPr>
+        <p:spPr/>
+        <p:txBody>
+          <a:bodyPr/>
+          <a:lstStyle/>
+          <a:p>
+            <a:r>
               <a:rPr lang="en-US" b="1" dirty="0" err="1"/>
               <a:t>Buat</a:t>
             </a:r>
@@ -6291,7 +6404,7 @@
 </p:sld>
 </file>
 
-<file path=ppt/slides/slide11.xml><?xml version="1.0" encoding="utf-8"?>
+<file path=ppt/slides/slide12.xml><?xml version="1.0" encoding="utf-8"?>
 <p:sld xmlns:a="http://schemas.openxmlformats.org/drawingml/2006/main" xmlns:r="http://schemas.openxmlformats.org/officeDocument/2006/relationships" xmlns:p="http://schemas.openxmlformats.org/presentationml/2006/main">
   <p:cSld>
     <p:spTree>
@@ -6535,7 +6648,7 @@
 </p:sld>
 </file>
 
-<file path=ppt/slides/slide12.xml><?xml version="1.0" encoding="utf-8"?>
+<file path=ppt/slides/slide13.xml><?xml version="1.0" encoding="utf-8"?>
 <p:sld xmlns:a="http://schemas.openxmlformats.org/drawingml/2006/main" xmlns:r="http://schemas.openxmlformats.org/officeDocument/2006/relationships" xmlns:p="http://schemas.openxmlformats.org/presentationml/2006/main">
   <p:cSld>
     <p:spTree>
@@ -6661,7 +6774,91 @@
 </p:sld>
 </file>
 
-<file path=ppt/slides/slide13.xml><?xml version="1.0" encoding="utf-8"?>
+<file path=ppt/slides/slide14.xml><?xml version="1.0" encoding="utf-8"?>
+<p:sld xmlns:a="http://schemas.openxmlformats.org/drawingml/2006/main" xmlns:r="http://schemas.openxmlformats.org/officeDocument/2006/relationships" xmlns:p="http://schemas.openxmlformats.org/presentationml/2006/main">
+  <p:cSld>
+    <p:spTree>
+      <p:nvGrpSpPr>
+        <p:cNvPr id="1" name=""/>
+        <p:cNvGrpSpPr/>
+        <p:nvPr/>
+      </p:nvGrpSpPr>
+      <p:grpSpPr>
+        <a:xfrm>
+          <a:off x="0" y="0"/>
+          <a:ext cx="0" cy="0"/>
+          <a:chOff x="0" y="0"/>
+          <a:chExt cx="0" cy="0"/>
+        </a:xfrm>
+      </p:grpSpPr>
+      <p:sp>
+        <p:nvSpPr>
+          <p:cNvPr id="2" name="Title 1">
+            <a:extLst>
+              <a:ext uri="{FF2B5EF4-FFF2-40B4-BE49-F238E27FC236}">
+                <a16:creationId xmlns:a16="http://schemas.microsoft.com/office/drawing/2014/main" id="{7749E89F-C973-4DB3-93F1-7E7F2D927A7C}"/>
+              </a:ext>
+            </a:extLst>
+          </p:cNvPr>
+          <p:cNvSpPr>
+            <a:spLocks noGrp="1"/>
+          </p:cNvSpPr>
+          <p:nvPr>
+            <p:ph type="title"/>
+          </p:nvPr>
+        </p:nvSpPr>
+        <p:spPr/>
+        <p:txBody>
+          <a:bodyPr/>
+          <a:lstStyle/>
+          <a:p>
+            <a:r>
+              <a:rPr lang="en-US" dirty="0"/>
+              <a:t>3) Property</a:t>
+            </a:r>
+            <a:endParaRPr lang="en-ID" dirty="0"/>
+          </a:p>
+        </p:txBody>
+      </p:sp>
+      <p:sp>
+        <p:nvSpPr>
+          <p:cNvPr id="3" name="Text Placeholder 2">
+            <a:extLst>
+              <a:ext uri="{FF2B5EF4-FFF2-40B4-BE49-F238E27FC236}">
+                <a16:creationId xmlns:a16="http://schemas.microsoft.com/office/drawing/2014/main" id="{6E0AC319-03F7-401E-A399-C08A3D92F0FD}"/>
+              </a:ext>
+            </a:extLst>
+          </p:cNvPr>
+          <p:cNvSpPr>
+            <a:spLocks noGrp="1"/>
+          </p:cNvSpPr>
+          <p:nvPr>
+            <p:ph type="body" idx="1"/>
+          </p:nvPr>
+        </p:nvSpPr>
+        <p:spPr/>
+        <p:txBody>
+          <a:bodyPr/>
+          <a:lstStyle/>
+          <a:p>
+            <a:endParaRPr lang="en-ID"/>
+          </a:p>
+        </p:txBody>
+      </p:sp>
+    </p:spTree>
+    <p:extLst>
+      <p:ext uri="{BB962C8B-B14F-4D97-AF65-F5344CB8AC3E}">
+        <p14:creationId xmlns:p14="http://schemas.microsoft.com/office/powerpoint/2010/main" val="4215074525"/>
+      </p:ext>
+    </p:extLst>
+  </p:cSld>
+  <p:clrMapOvr>
+    <a:masterClrMapping/>
+  </p:clrMapOvr>
+</p:sld>
+</file>
+
+<file path=ppt/slides/slide15.xml><?xml version="1.0" encoding="utf-8"?>
 <p:sld xmlns:a="http://schemas.openxmlformats.org/drawingml/2006/main" xmlns:r="http://schemas.openxmlformats.org/officeDocument/2006/relationships" xmlns:p="http://schemas.openxmlformats.org/presentationml/2006/main">
   <p:cSld>
     <p:spTree>
@@ -6694,12 +6891,20 @@
           <a:lstStyle/>
           <a:p>
             <a:r>
+              <a:rPr lang="en-US" dirty="0" err="1">
+                <a:solidFill>
+                  <a:prstClr val="black"/>
+                </a:solidFill>
+              </a:rPr>
+              <a:t>Konsep</a:t>
+            </a:r>
+            <a:r>
               <a:rPr lang="en-US" dirty="0">
                 <a:solidFill>
                   <a:prstClr val="black"/>
                 </a:solidFill>
               </a:rPr>
-              <a:t>c. </a:t>
+              <a:t> </a:t>
             </a:r>
             <a:r>
               <a:rPr lang="id-ID" dirty="0">
@@ -7204,7 +7409,7 @@
 </p:sld>
 </file>
 
-<file path=ppt/slides/slide14.xml><?xml version="1.0" encoding="utf-8"?>
+<file path=ppt/slides/slide16.xml><?xml version="1.0" encoding="utf-8"?>
 <p:sld xmlns:a="http://schemas.openxmlformats.org/drawingml/2006/main" xmlns:r="http://schemas.openxmlformats.org/officeDocument/2006/relationships" xmlns:p="http://schemas.openxmlformats.org/presentationml/2006/main">
   <p:cSld>
     <p:spTree>
@@ -7338,7 +7543,91 @@
 </p:sld>
 </file>
 
-<file path=ppt/slides/slide15.xml><?xml version="1.0" encoding="utf-8"?>
+<file path=ppt/slides/slide17.xml><?xml version="1.0" encoding="utf-8"?>
+<p:sld xmlns:a="http://schemas.openxmlformats.org/drawingml/2006/main" xmlns:r="http://schemas.openxmlformats.org/officeDocument/2006/relationships" xmlns:p="http://schemas.openxmlformats.org/presentationml/2006/main">
+  <p:cSld>
+    <p:spTree>
+      <p:nvGrpSpPr>
+        <p:cNvPr id="1" name=""/>
+        <p:cNvGrpSpPr/>
+        <p:nvPr/>
+      </p:nvGrpSpPr>
+      <p:grpSpPr>
+        <a:xfrm>
+          <a:off x="0" y="0"/>
+          <a:ext cx="0" cy="0"/>
+          <a:chOff x="0" y="0"/>
+          <a:chExt cx="0" cy="0"/>
+        </a:xfrm>
+      </p:grpSpPr>
+      <p:sp>
+        <p:nvSpPr>
+          <p:cNvPr id="2" name="Title 1">
+            <a:extLst>
+              <a:ext uri="{FF2B5EF4-FFF2-40B4-BE49-F238E27FC236}">
+                <a16:creationId xmlns:a16="http://schemas.microsoft.com/office/drawing/2014/main" id="{EDE4926E-64AC-4632-A8E2-37F337D3A92F}"/>
+              </a:ext>
+            </a:extLst>
+          </p:cNvPr>
+          <p:cNvSpPr>
+            <a:spLocks noGrp="1"/>
+          </p:cNvSpPr>
+          <p:nvPr>
+            <p:ph type="title"/>
+          </p:nvPr>
+        </p:nvSpPr>
+        <p:spPr/>
+        <p:txBody>
+          <a:bodyPr/>
+          <a:lstStyle/>
+          <a:p>
+            <a:r>
+              <a:rPr lang="en-US" dirty="0"/>
+              <a:t>4) Method </a:t>
+            </a:r>
+            <a:endParaRPr lang="en-ID" dirty="0"/>
+          </a:p>
+        </p:txBody>
+      </p:sp>
+      <p:sp>
+        <p:nvSpPr>
+          <p:cNvPr id="3" name="Text Placeholder 2">
+            <a:extLst>
+              <a:ext uri="{FF2B5EF4-FFF2-40B4-BE49-F238E27FC236}">
+                <a16:creationId xmlns:a16="http://schemas.microsoft.com/office/drawing/2014/main" id="{92A799B1-9539-4D52-A13A-3647D6F95884}"/>
+              </a:ext>
+            </a:extLst>
+          </p:cNvPr>
+          <p:cNvSpPr>
+            <a:spLocks noGrp="1"/>
+          </p:cNvSpPr>
+          <p:nvPr>
+            <p:ph type="body" idx="1"/>
+          </p:nvPr>
+        </p:nvSpPr>
+        <p:spPr/>
+        <p:txBody>
+          <a:bodyPr/>
+          <a:lstStyle/>
+          <a:p>
+            <a:endParaRPr lang="en-ID"/>
+          </a:p>
+        </p:txBody>
+      </p:sp>
+    </p:spTree>
+    <p:extLst>
+      <p:ext uri="{BB962C8B-B14F-4D97-AF65-F5344CB8AC3E}">
+        <p14:creationId xmlns:p14="http://schemas.microsoft.com/office/powerpoint/2010/main" val="1750836373"/>
+      </p:ext>
+    </p:extLst>
+  </p:cSld>
+  <p:clrMapOvr>
+    <a:masterClrMapping/>
+  </p:clrMapOvr>
+</p:sld>
+</file>
+
+<file path=ppt/slides/slide18.xml><?xml version="1.0" encoding="utf-8"?>
 <p:sld xmlns:a="http://schemas.openxmlformats.org/drawingml/2006/main" xmlns:r="http://schemas.openxmlformats.org/officeDocument/2006/relationships" xmlns:p="http://schemas.openxmlformats.org/presentationml/2006/main">
   <p:cSld>
     <p:spTree>
@@ -7370,14 +7659,6 @@
           <a:bodyPr/>
           <a:lstStyle/>
           <a:p>
-            <a:r>
-              <a:rPr lang="en-US" dirty="0">
-                <a:solidFill>
-                  <a:prstClr val="black"/>
-                </a:solidFill>
-              </a:rPr>
-              <a:t>d. </a:t>
-            </a:r>
             <a:r>
               <a:rPr lang="id-ID" dirty="0">
                 <a:solidFill>
@@ -8313,7 +8594,7 @@
 </p:sld>
 </file>
 
-<file path=ppt/slides/slide16.xml><?xml version="1.0" encoding="utf-8"?>
+<file path=ppt/slides/slide19.xml><?xml version="1.0" encoding="utf-8"?>
 <p:sld xmlns:a="http://schemas.openxmlformats.org/drawingml/2006/main" xmlns:r="http://schemas.openxmlformats.org/officeDocument/2006/relationships" xmlns:p="http://schemas.openxmlformats.org/presentationml/2006/main">
   <p:cSld>
     <p:spTree>
@@ -8450,7 +8731,268 @@
 </p:sld>
 </file>
 
-<file path=ppt/slides/slide17.xml><?xml version="1.0" encoding="utf-8"?>
+<file path=ppt/slides/slide2.xml><?xml version="1.0" encoding="utf-8"?>
+<p:sld xmlns:a="http://schemas.openxmlformats.org/drawingml/2006/main" xmlns:r="http://schemas.openxmlformats.org/officeDocument/2006/relationships" xmlns:p="http://schemas.openxmlformats.org/presentationml/2006/main">
+  <p:cSld>
+    <p:spTree>
+      <p:nvGrpSpPr>
+        <p:cNvPr id="1" name=""/>
+        <p:cNvGrpSpPr/>
+        <p:nvPr/>
+      </p:nvGrpSpPr>
+      <p:grpSpPr>
+        <a:xfrm>
+          <a:off x="0" y="0"/>
+          <a:ext cx="0" cy="0"/>
+          <a:chOff x="0" y="0"/>
+          <a:chExt cx="0" cy="0"/>
+        </a:xfrm>
+      </p:grpSpPr>
+      <p:sp>
+        <p:nvSpPr>
+          <p:cNvPr id="2" name="Title 1"/>
+          <p:cNvSpPr>
+            <a:spLocks noGrp="1"/>
+          </p:cNvSpPr>
+          <p:nvPr>
+            <p:ph type="title"/>
+          </p:nvPr>
+        </p:nvSpPr>
+        <p:spPr/>
+        <p:txBody>
+          <a:bodyPr/>
+          <a:lstStyle/>
+          <a:p>
+            <a:r>
+              <a:rPr lang="id-ID" b="1" dirty="0"/>
+              <a:t>0</a:t>
+            </a:r>
+            <a:r>
+              <a:rPr lang="en-US" b="1" dirty="0"/>
+              <a:t>3</a:t>
+            </a:r>
+            <a:r>
+              <a:rPr lang="id-ID" b="1" dirty="0"/>
+              <a:t>. </a:t>
+            </a:r>
+            <a:r>
+              <a:rPr lang="en-US" b="1" dirty="0" err="1"/>
+              <a:t>Pengenalan</a:t>
+            </a:r>
+            <a:r>
+              <a:rPr lang="en-US" b="1" dirty="0"/>
+              <a:t> </a:t>
+            </a:r>
+            <a:r>
+              <a:rPr lang="en-US" b="1" dirty="0" err="1"/>
+              <a:t>Pemrograman</a:t>
+            </a:r>
+            <a:r>
+              <a:rPr lang="en-US" b="1" dirty="0"/>
+              <a:t> PBO</a:t>
+            </a:r>
+            <a:endParaRPr lang="en-US" b="1" dirty="0">
+              <a:latin typeface="Agency FB" panose="020B0503020202020204" pitchFamily="34" charset="0"/>
+            </a:endParaRPr>
+          </a:p>
+        </p:txBody>
+      </p:sp>
+      <p:sp>
+        <p:nvSpPr>
+          <p:cNvPr id="3" name="Content Placeholder 2"/>
+          <p:cNvSpPr>
+            <a:spLocks noGrp="1"/>
+          </p:cNvSpPr>
+          <p:nvPr>
+            <p:ph idx="1"/>
+          </p:nvPr>
+        </p:nvSpPr>
+        <p:spPr/>
+        <p:txBody>
+          <a:bodyPr/>
+          <a:lstStyle/>
+          <a:p>
+            <a:pPr marL="463550" indent="-463550">
+              <a:buFont typeface="+mj-lt"/>
+              <a:buAutoNum type="arabicParenR"/>
+            </a:pPr>
+            <a:r>
+              <a:rPr lang="en-US" dirty="0" err="1">
+                <a:latin typeface="Agency FB" panose="020B0503020202020204" pitchFamily="34" charset="0"/>
+              </a:rPr>
+              <a:t>Konsep</a:t>
+            </a:r>
+            <a:r>
+              <a:rPr lang="en-US" dirty="0">
+                <a:latin typeface="Agency FB" panose="020B0503020202020204" pitchFamily="34" charset="0"/>
+              </a:rPr>
+              <a:t> Class, Object, Property, Method</a:t>
+            </a:r>
+          </a:p>
+          <a:p>
+            <a:pPr marL="463550" indent="-463550">
+              <a:buFont typeface="+mj-lt"/>
+              <a:buAutoNum type="arabicParenR"/>
+            </a:pPr>
+            <a:r>
+              <a:rPr lang="en-US" dirty="0">
+                <a:latin typeface="Agency FB" panose="020B0503020202020204" pitchFamily="34" charset="0"/>
+              </a:rPr>
+              <a:t>Class</a:t>
+            </a:r>
+          </a:p>
+          <a:p>
+            <a:pPr marL="463550" indent="-463550">
+              <a:buFont typeface="+mj-lt"/>
+              <a:buAutoNum type="arabicParenR"/>
+            </a:pPr>
+            <a:r>
+              <a:rPr lang="en-US" dirty="0">
+                <a:latin typeface="Agency FB" panose="020B0503020202020204" pitchFamily="34" charset="0"/>
+              </a:rPr>
+              <a:t>Object </a:t>
+            </a:r>
+          </a:p>
+          <a:p>
+            <a:pPr marL="463550" indent="-463550">
+              <a:buFont typeface="+mj-lt"/>
+              <a:buAutoNum type="arabicParenR"/>
+            </a:pPr>
+            <a:r>
+              <a:rPr lang="en-US" dirty="0">
+                <a:latin typeface="Agency FB" panose="020B0503020202020204" pitchFamily="34" charset="0"/>
+              </a:rPr>
+              <a:t>Property</a:t>
+            </a:r>
+          </a:p>
+          <a:p>
+            <a:pPr marL="463550" indent="-463550">
+              <a:buFont typeface="+mj-lt"/>
+              <a:buAutoNum type="arabicParenR"/>
+            </a:pPr>
+            <a:r>
+              <a:rPr lang="en-US" dirty="0">
+                <a:latin typeface="Agency FB" panose="020B0503020202020204" pitchFamily="34" charset="0"/>
+              </a:rPr>
+              <a:t>Method</a:t>
+            </a:r>
+          </a:p>
+        </p:txBody>
+      </p:sp>
+    </p:spTree>
+    <p:extLst>
+      <p:ext uri="{BB962C8B-B14F-4D97-AF65-F5344CB8AC3E}">
+        <p14:creationId xmlns:p14="http://schemas.microsoft.com/office/powerpoint/2010/main" val="3697813324"/>
+      </p:ext>
+    </p:extLst>
+  </p:cSld>
+  <p:clrMapOvr>
+    <a:masterClrMapping/>
+  </p:clrMapOvr>
+  <mc:AlternateContent xmlns:mc="http://schemas.openxmlformats.org/markup-compatibility/2006" xmlns:p14="http://schemas.microsoft.com/office/powerpoint/2010/main">
+    <mc:Choice Requires="p14">
+      <p:transition spd="slow" p14:dur="1250">
+        <p14:switch dir="r"/>
+      </p:transition>
+    </mc:Choice>
+    <mc:Fallback xmlns="">
+      <p:transition spd="slow">
+        <p:fade/>
+      </p:transition>
+    </mc:Fallback>
+  </mc:AlternateContent>
+</p:sld>
+</file>
+
+<file path=ppt/slides/slide20.xml><?xml version="1.0" encoding="utf-8"?>
+<p:sld xmlns:a="http://schemas.openxmlformats.org/drawingml/2006/main" xmlns:r="http://schemas.openxmlformats.org/officeDocument/2006/relationships" xmlns:p="http://schemas.openxmlformats.org/presentationml/2006/main">
+  <p:cSld>
+    <p:spTree>
+      <p:nvGrpSpPr>
+        <p:cNvPr id="1" name=""/>
+        <p:cNvGrpSpPr/>
+        <p:nvPr/>
+      </p:nvGrpSpPr>
+      <p:grpSpPr>
+        <a:xfrm>
+          <a:off x="0" y="0"/>
+          <a:ext cx="0" cy="0"/>
+          <a:chOff x="0" y="0"/>
+          <a:chExt cx="0" cy="0"/>
+        </a:xfrm>
+      </p:grpSpPr>
+      <p:sp>
+        <p:nvSpPr>
+          <p:cNvPr id="2" name="Title 1">
+            <a:extLst>
+              <a:ext uri="{FF2B5EF4-FFF2-40B4-BE49-F238E27FC236}">
+                <a16:creationId xmlns:a16="http://schemas.microsoft.com/office/drawing/2014/main" id="{03EF0127-E892-49F7-AA3A-32C29ECD7947}"/>
+              </a:ext>
+            </a:extLst>
+          </p:cNvPr>
+          <p:cNvSpPr>
+            <a:spLocks noGrp="1"/>
+          </p:cNvSpPr>
+          <p:nvPr>
+            <p:ph type="title"/>
+          </p:nvPr>
+        </p:nvSpPr>
+        <p:spPr/>
+        <p:txBody>
+          <a:bodyPr/>
+          <a:lstStyle/>
+          <a:p>
+            <a:r>
+              <a:rPr lang="en-US" dirty="0"/>
+              <a:t>5) </a:t>
+            </a:r>
+            <a:r>
+              <a:rPr lang="en-US" dirty="0" err="1"/>
+              <a:t>Objek</a:t>
+            </a:r>
+            <a:endParaRPr lang="en-ID" dirty="0"/>
+          </a:p>
+        </p:txBody>
+      </p:sp>
+      <p:sp>
+        <p:nvSpPr>
+          <p:cNvPr id="3" name="Text Placeholder 2">
+            <a:extLst>
+              <a:ext uri="{FF2B5EF4-FFF2-40B4-BE49-F238E27FC236}">
+                <a16:creationId xmlns:a16="http://schemas.microsoft.com/office/drawing/2014/main" id="{F43F7A0F-3335-46F4-AF12-CD85C46D6BE8}"/>
+              </a:ext>
+            </a:extLst>
+          </p:cNvPr>
+          <p:cNvSpPr>
+            <a:spLocks noGrp="1"/>
+          </p:cNvSpPr>
+          <p:nvPr>
+            <p:ph type="body" idx="1"/>
+          </p:nvPr>
+        </p:nvSpPr>
+        <p:spPr/>
+        <p:txBody>
+          <a:bodyPr/>
+          <a:lstStyle/>
+          <a:p>
+            <a:endParaRPr lang="en-ID"/>
+          </a:p>
+        </p:txBody>
+      </p:sp>
+    </p:spTree>
+    <p:extLst>
+      <p:ext uri="{BB962C8B-B14F-4D97-AF65-F5344CB8AC3E}">
+        <p14:creationId xmlns:p14="http://schemas.microsoft.com/office/powerpoint/2010/main" val="4099652477"/>
+      </p:ext>
+    </p:extLst>
+  </p:cSld>
+  <p:clrMapOvr>
+    <a:masterClrMapping/>
+  </p:clrMapOvr>
+</p:sld>
+</file>
+
+<file path=ppt/slides/slide21.xml><?xml version="1.0" encoding="utf-8"?>
 <p:sld xmlns:a="http://schemas.openxmlformats.org/drawingml/2006/main" xmlns:r="http://schemas.openxmlformats.org/officeDocument/2006/relationships" xmlns:p="http://schemas.openxmlformats.org/presentationml/2006/main">
   <p:cSld>
     <p:spTree>
@@ -8485,12 +9027,20 @@
           <a:lstStyle/>
           <a:p>
             <a:r>
+              <a:rPr lang="en-US" dirty="0" err="1">
+                <a:solidFill>
+                  <a:prstClr val="black"/>
+                </a:solidFill>
+              </a:rPr>
+              <a:t>Konsep</a:t>
+            </a:r>
+            <a:r>
               <a:rPr lang="en-US" dirty="0">
                 <a:solidFill>
                   <a:prstClr val="black"/>
                 </a:solidFill>
               </a:rPr>
-              <a:t>e. </a:t>
+              <a:t> </a:t>
             </a:r>
             <a:r>
               <a:rPr lang="id-ID" dirty="0">
@@ -9159,7 +9709,7 @@
 </p:sld>
 </file>
 
-<file path=ppt/slides/slide18.xml><?xml version="1.0" encoding="utf-8"?>
+<file path=ppt/slides/slide22.xml><?xml version="1.0" encoding="utf-8"?>
 <p:sld xmlns:a="http://schemas.openxmlformats.org/drawingml/2006/main" xmlns:r="http://schemas.openxmlformats.org/officeDocument/2006/relationships" xmlns:p="http://schemas.openxmlformats.org/presentationml/2006/main">
   <p:cSld>
     <p:spTree>
@@ -9289,7 +9839,7 @@
 </p:sld>
 </file>
 
-<file path=ppt/slides/slide19.xml><?xml version="1.0" encoding="utf-8"?>
+<file path=ppt/slides/slide23.xml><?xml version="1.0" encoding="utf-8"?>
 <p:sld xmlns:a="http://schemas.openxmlformats.org/drawingml/2006/main" xmlns:r="http://schemas.openxmlformats.org/officeDocument/2006/relationships" xmlns:p="http://schemas.openxmlformats.org/presentationml/2006/main">
   <p:cSld>
     <p:spTree>
@@ -9427,160 +9977,7 @@
 </p:sld>
 </file>
 
-<file path=ppt/slides/slide2.xml><?xml version="1.0" encoding="utf-8"?>
-<p:sld xmlns:a="http://schemas.openxmlformats.org/drawingml/2006/main" xmlns:r="http://schemas.openxmlformats.org/officeDocument/2006/relationships" xmlns:p="http://schemas.openxmlformats.org/presentationml/2006/main">
-  <p:cSld>
-    <p:spTree>
-      <p:nvGrpSpPr>
-        <p:cNvPr id="1" name=""/>
-        <p:cNvGrpSpPr/>
-        <p:nvPr/>
-      </p:nvGrpSpPr>
-      <p:grpSpPr>
-        <a:xfrm>
-          <a:off x="0" y="0"/>
-          <a:ext cx="0" cy="0"/>
-          <a:chOff x="0" y="0"/>
-          <a:chExt cx="0" cy="0"/>
-        </a:xfrm>
-      </p:grpSpPr>
-      <p:sp>
-        <p:nvSpPr>
-          <p:cNvPr id="2" name="Title 1"/>
-          <p:cNvSpPr>
-            <a:spLocks noGrp="1"/>
-          </p:cNvSpPr>
-          <p:nvPr>
-            <p:ph type="title"/>
-          </p:nvPr>
-        </p:nvSpPr>
-        <p:spPr/>
-        <p:txBody>
-          <a:bodyPr/>
-          <a:lstStyle/>
-          <a:p>
-            <a:r>
-              <a:rPr lang="id-ID" b="1" dirty="0"/>
-              <a:t>0</a:t>
-            </a:r>
-            <a:r>
-              <a:rPr lang="en-US" b="1" dirty="0"/>
-              <a:t>3</a:t>
-            </a:r>
-            <a:r>
-              <a:rPr lang="id-ID" b="1" dirty="0"/>
-              <a:t>. </a:t>
-            </a:r>
-            <a:r>
-              <a:rPr lang="en-US" b="1" dirty="0" err="1"/>
-              <a:t>Pengenalan</a:t>
-            </a:r>
-            <a:r>
-              <a:rPr lang="en-US" b="1" dirty="0"/>
-              <a:t> </a:t>
-            </a:r>
-            <a:r>
-              <a:rPr lang="en-US" b="1" dirty="0" err="1"/>
-              <a:t>Pemrograman</a:t>
-            </a:r>
-            <a:r>
-              <a:rPr lang="en-US" b="1" dirty="0"/>
-              <a:t> PBO</a:t>
-            </a:r>
-            <a:endParaRPr lang="en-US" b="1" dirty="0">
-              <a:latin typeface="Agency FB" panose="020B0503020202020204" pitchFamily="34" charset="0"/>
-            </a:endParaRPr>
-          </a:p>
-        </p:txBody>
-      </p:sp>
-      <p:sp>
-        <p:nvSpPr>
-          <p:cNvPr id="3" name="Content Placeholder 2"/>
-          <p:cNvSpPr>
-            <a:spLocks noGrp="1"/>
-          </p:cNvSpPr>
-          <p:nvPr>
-            <p:ph idx="1"/>
-          </p:nvPr>
-        </p:nvSpPr>
-        <p:spPr/>
-        <p:txBody>
-          <a:bodyPr/>
-          <a:lstStyle/>
-          <a:p>
-            <a:pPr marL="463550" indent="-463550">
-              <a:buFont typeface="+mj-lt"/>
-              <a:buAutoNum type="arabicParenR"/>
-            </a:pPr>
-            <a:r>
-              <a:rPr lang="en-US" dirty="0">
-                <a:latin typeface="Agency FB" panose="020B0503020202020204" pitchFamily="34" charset="0"/>
-              </a:rPr>
-              <a:t>Class, Object, Property, Method</a:t>
-            </a:r>
-          </a:p>
-          <a:p>
-            <a:pPr marL="463550" indent="-463550">
-              <a:buFont typeface="+mj-lt"/>
-              <a:buAutoNum type="arabicParenR"/>
-            </a:pPr>
-            <a:r>
-              <a:rPr lang="en-US" dirty="0">
-                <a:latin typeface="Agency FB" panose="020B0503020202020204" pitchFamily="34" charset="0"/>
-              </a:rPr>
-              <a:t>Modifier</a:t>
-            </a:r>
-          </a:p>
-          <a:p>
-            <a:pPr marL="463550" indent="-463550">
-              <a:buFont typeface="+mj-lt"/>
-              <a:buAutoNum type="arabicParenR"/>
-            </a:pPr>
-            <a:r>
-              <a:rPr lang="en-US" dirty="0">
-                <a:latin typeface="Agency FB" panose="020B0503020202020204" pitchFamily="34" charset="0"/>
-              </a:rPr>
-              <a:t>UML class diagram </a:t>
-            </a:r>
-            <a:r>
-              <a:rPr lang="en-US" dirty="0">
-                <a:latin typeface="Agency FB" panose="020B0503020202020204" pitchFamily="34" charset="0"/>
-                <a:sym typeface="Wingdings" panose="05000000000000000000" pitchFamily="2" charset="2"/>
-              </a:rPr>
-              <a:t> code</a:t>
-            </a:r>
-            <a:endParaRPr lang="en-US" dirty="0">
-              <a:latin typeface="Agency FB" panose="020B0503020202020204" pitchFamily="34" charset="0"/>
-            </a:endParaRPr>
-          </a:p>
-        </p:txBody>
-      </p:sp>
-    </p:spTree>
-    <p:extLst>
-      <p:ext uri="{BB962C8B-B14F-4D97-AF65-F5344CB8AC3E}">
-        <p14:creationId xmlns:p14="http://schemas.microsoft.com/office/powerpoint/2010/main" val="3697813324"/>
-      </p:ext>
-    </p:extLst>
-  </p:cSld>
-  <p:clrMapOvr>
-    <a:masterClrMapping/>
-  </p:clrMapOvr>
-  <mc:AlternateContent xmlns:mc="http://schemas.openxmlformats.org/markup-compatibility/2006" xmlns:p14="http://schemas.microsoft.com/office/powerpoint/2010/main">
-    <mc:Choice Requires="p14">
-      <p:transition spd="slow" p14:dur="1250">
-        <p14:switch dir="r"/>
-      </p:transition>
-    </mc:Choice>
-    <mc:Fallback xmlns="">
-      <p:transition spd="slow">
-        <p:fade/>
-      </p:transition>
-    </mc:Fallback>
-  </mc:AlternateContent>
-</p:sld>
-</file>
-
-<file path=ppt/slides/slide20.xml><?xml version="1.0" encoding="utf-8"?>
+<file path=ppt/slides/slide24.xml><?xml version="1.0" encoding="utf-8"?>
 <p:sld xmlns:a="http://schemas.openxmlformats.org/drawingml/2006/main" xmlns:r="http://schemas.openxmlformats.org/officeDocument/2006/relationships" xmlns:p="http://schemas.openxmlformats.org/presentationml/2006/main">
   <p:cSld>
     <p:spTree>
@@ -9722,7 +10119,7 @@
 </p:sld>
 </file>
 
-<file path=ppt/slides/slide21.xml><?xml version="1.0" encoding="utf-8"?>
+<file path=ppt/slides/slide25.xml><?xml version="1.0" encoding="utf-8"?>
 <p:sld xmlns:a="http://schemas.openxmlformats.org/drawingml/2006/main" xmlns:r="http://schemas.openxmlformats.org/officeDocument/2006/relationships" xmlns:p="http://schemas.openxmlformats.org/presentationml/2006/main">
   <p:cSld>
     <p:spTree>
@@ -9855,1447 +10252,6 @@
     <p:extLst>
       <p:ext uri="{BB962C8B-B14F-4D97-AF65-F5344CB8AC3E}">
         <p14:creationId xmlns:p14="http://schemas.microsoft.com/office/powerpoint/2010/main" val="3053449308"/>
-      </p:ext>
-    </p:extLst>
-  </p:cSld>
-  <p:clrMapOvr>
-    <a:masterClrMapping/>
-  </p:clrMapOvr>
-</p:sld>
-</file>
-
-<file path=ppt/slides/slide22.xml><?xml version="1.0" encoding="utf-8"?>
-<p:sld xmlns:a="http://schemas.openxmlformats.org/drawingml/2006/main" xmlns:r="http://schemas.openxmlformats.org/officeDocument/2006/relationships" xmlns:p="http://schemas.openxmlformats.org/presentationml/2006/main">
-  <p:cSld>
-    <p:spTree>
-      <p:nvGrpSpPr>
-        <p:cNvPr id="1" name=""/>
-        <p:cNvGrpSpPr/>
-        <p:nvPr/>
-      </p:nvGrpSpPr>
-      <p:grpSpPr>
-        <a:xfrm>
-          <a:off x="0" y="0"/>
-          <a:ext cx="0" cy="0"/>
-          <a:chOff x="0" y="0"/>
-          <a:chExt cx="0" cy="0"/>
-        </a:xfrm>
-      </p:grpSpPr>
-      <p:sp>
-        <p:nvSpPr>
-          <p:cNvPr id="2" name="Title 1">
-            <a:extLst>
-              <a:ext uri="{FF2B5EF4-FFF2-40B4-BE49-F238E27FC236}">
-                <a16:creationId xmlns:a16="http://schemas.microsoft.com/office/drawing/2014/main" id="{61FF8C52-E239-439B-9BB1-F6A55BC6CCBD}"/>
-              </a:ext>
-            </a:extLst>
-          </p:cNvPr>
-          <p:cNvSpPr>
-            <a:spLocks noGrp="1"/>
-          </p:cNvSpPr>
-          <p:nvPr>
-            <p:ph type="title"/>
-          </p:nvPr>
-        </p:nvSpPr>
-        <p:spPr/>
-        <p:txBody>
-          <a:bodyPr/>
-          <a:lstStyle/>
-          <a:p>
-            <a:r>
-              <a:rPr lang="en-US" dirty="0"/>
-              <a:t>2) Modifier</a:t>
-            </a:r>
-            <a:endParaRPr lang="en-ID" dirty="0"/>
-          </a:p>
-        </p:txBody>
-      </p:sp>
-      <p:sp>
-        <p:nvSpPr>
-          <p:cNvPr id="3" name="Text Placeholder 2">
-            <a:extLst>
-              <a:ext uri="{FF2B5EF4-FFF2-40B4-BE49-F238E27FC236}">
-                <a16:creationId xmlns:a16="http://schemas.microsoft.com/office/drawing/2014/main" id="{BC72AF80-A676-4F52-AE87-1CC34988949B}"/>
-              </a:ext>
-            </a:extLst>
-          </p:cNvPr>
-          <p:cNvSpPr>
-            <a:spLocks noGrp="1"/>
-          </p:cNvSpPr>
-          <p:nvPr>
-            <p:ph type="body" idx="1"/>
-          </p:nvPr>
-        </p:nvSpPr>
-        <p:spPr/>
-        <p:txBody>
-          <a:bodyPr/>
-          <a:lstStyle/>
-          <a:p>
-            <a:pPr marL="514350" indent="-514350">
-              <a:buFont typeface="+mj-lt"/>
-              <a:buAutoNum type="alphaLcPeriod"/>
-            </a:pPr>
-            <a:r>
-              <a:rPr lang="en-US" dirty="0" err="1"/>
-              <a:t>Konsep</a:t>
-            </a:r>
-            <a:r>
-              <a:rPr lang="en-US" dirty="0"/>
-              <a:t> modifier</a:t>
-            </a:r>
-          </a:p>
-          <a:p>
-            <a:pPr marL="514350" indent="-514350">
-              <a:buFont typeface="+mj-lt"/>
-              <a:buAutoNum type="alphaLcPeriod"/>
-            </a:pPr>
-            <a:r>
-              <a:rPr lang="en-US" dirty="0"/>
-              <a:t>Default </a:t>
-            </a:r>
-          </a:p>
-          <a:p>
-            <a:pPr marL="514350" indent="-514350">
-              <a:buFont typeface="+mj-lt"/>
-              <a:buAutoNum type="alphaLcPeriod"/>
-            </a:pPr>
-            <a:r>
-              <a:rPr lang="en-US" dirty="0"/>
-              <a:t>Public</a:t>
-            </a:r>
-          </a:p>
-          <a:p>
-            <a:pPr marL="514350" indent="-514350">
-              <a:buFont typeface="+mj-lt"/>
-              <a:buAutoNum type="alphaLcPeriod"/>
-            </a:pPr>
-            <a:r>
-              <a:rPr lang="en-US" dirty="0"/>
-              <a:t>Private </a:t>
-            </a:r>
-          </a:p>
-          <a:p>
-            <a:pPr marL="514350" indent="-514350">
-              <a:buFont typeface="+mj-lt"/>
-              <a:buAutoNum type="alphaLcPeriod"/>
-            </a:pPr>
-            <a:r>
-              <a:rPr lang="en-US" dirty="0"/>
-              <a:t>Protected </a:t>
-            </a:r>
-            <a:endParaRPr lang="en-ID" dirty="0"/>
-          </a:p>
-        </p:txBody>
-      </p:sp>
-    </p:spTree>
-    <p:extLst>
-      <p:ext uri="{BB962C8B-B14F-4D97-AF65-F5344CB8AC3E}">
-        <p14:creationId xmlns:p14="http://schemas.microsoft.com/office/powerpoint/2010/main" val="3134207078"/>
-      </p:ext>
-    </p:extLst>
-  </p:cSld>
-  <p:clrMapOvr>
-    <a:masterClrMapping/>
-  </p:clrMapOvr>
-</p:sld>
-</file>
-
-<file path=ppt/slides/slide23.xml><?xml version="1.0" encoding="utf-8"?>
-<p:sld xmlns:a="http://schemas.openxmlformats.org/drawingml/2006/main" xmlns:r="http://schemas.openxmlformats.org/officeDocument/2006/relationships" xmlns:p="http://schemas.openxmlformats.org/presentationml/2006/main">
-  <p:cSld>
-    <p:spTree>
-      <p:nvGrpSpPr>
-        <p:cNvPr id="1" name=""/>
-        <p:cNvGrpSpPr/>
-        <p:nvPr/>
-      </p:nvGrpSpPr>
-      <p:grpSpPr>
-        <a:xfrm>
-          <a:off x="0" y="0"/>
-          <a:ext cx="0" cy="0"/>
-          <a:chOff x="0" y="0"/>
-          <a:chExt cx="0" cy="0"/>
-        </a:xfrm>
-      </p:grpSpPr>
-      <p:sp>
-        <p:nvSpPr>
-          <p:cNvPr id="2" name="Title 1">
-            <a:extLst>
-              <a:ext uri="{FF2B5EF4-FFF2-40B4-BE49-F238E27FC236}">
-                <a16:creationId xmlns:a16="http://schemas.microsoft.com/office/drawing/2014/main" id="{E4EDB101-842A-4557-BB9F-0FBAA5219948}"/>
-              </a:ext>
-            </a:extLst>
-          </p:cNvPr>
-          <p:cNvSpPr>
-            <a:spLocks noGrp="1"/>
-          </p:cNvSpPr>
-          <p:nvPr>
-            <p:ph type="title"/>
-          </p:nvPr>
-        </p:nvSpPr>
-        <p:spPr/>
-        <p:txBody>
-          <a:bodyPr/>
-          <a:lstStyle/>
-          <a:p>
-            <a:r>
-              <a:rPr lang="en-US" dirty="0"/>
-              <a:t>a. </a:t>
-            </a:r>
-            <a:r>
-              <a:rPr lang="en-US" dirty="0" err="1"/>
-              <a:t>Konsep</a:t>
-            </a:r>
-            <a:r>
-              <a:rPr lang="en-US" dirty="0"/>
-              <a:t> modifier</a:t>
-            </a:r>
-            <a:endParaRPr lang="en-ID" dirty="0"/>
-          </a:p>
-        </p:txBody>
-      </p:sp>
-      <p:sp>
-        <p:nvSpPr>
-          <p:cNvPr id="3" name="Content Placeholder 2">
-            <a:extLst>
-              <a:ext uri="{FF2B5EF4-FFF2-40B4-BE49-F238E27FC236}">
-                <a16:creationId xmlns:a16="http://schemas.microsoft.com/office/drawing/2014/main" id="{B89C6128-46BA-41F8-9A9B-5C221E09EF1C}"/>
-              </a:ext>
-            </a:extLst>
-          </p:cNvPr>
-          <p:cNvSpPr>
-            <a:spLocks noGrp="1"/>
-          </p:cNvSpPr>
-          <p:nvPr>
-            <p:ph idx="1"/>
-          </p:nvPr>
-        </p:nvSpPr>
-        <p:spPr>
-          <a:xfrm>
-            <a:off x="476251" y="1579366"/>
-            <a:ext cx="8537120" cy="4859675"/>
-          </a:xfrm>
-        </p:spPr>
-        <p:txBody>
-          <a:bodyPr>
-            <a:normAutofit/>
-          </a:bodyPr>
-          <a:lstStyle/>
-          <a:p>
-            <a:r>
-              <a:rPr lang="en-US" dirty="0" err="1">
-                <a:solidFill>
-                  <a:srgbClr val="0070C0"/>
-                </a:solidFill>
-              </a:rPr>
-              <a:t>Pembatasan</a:t>
-            </a:r>
-            <a:r>
-              <a:rPr lang="en-US" dirty="0">
-                <a:solidFill>
-                  <a:srgbClr val="0070C0"/>
-                </a:solidFill>
-              </a:rPr>
-              <a:t> </a:t>
-            </a:r>
-            <a:r>
-              <a:rPr lang="en-US" dirty="0" err="1">
-                <a:solidFill>
-                  <a:srgbClr val="0070C0"/>
-                </a:solidFill>
-              </a:rPr>
-              <a:t>akses</a:t>
-            </a:r>
-            <a:r>
-              <a:rPr lang="en-US" dirty="0">
-                <a:solidFill>
-                  <a:srgbClr val="0070C0"/>
-                </a:solidFill>
-              </a:rPr>
-              <a:t> </a:t>
-            </a:r>
-            <a:r>
-              <a:rPr lang="en-US" dirty="0" err="1">
-                <a:solidFill>
-                  <a:srgbClr val="0070C0"/>
-                </a:solidFill>
-              </a:rPr>
-              <a:t>kepada</a:t>
-            </a:r>
-            <a:r>
-              <a:rPr lang="en-US" dirty="0">
-                <a:solidFill>
-                  <a:srgbClr val="0070C0"/>
-                </a:solidFill>
-              </a:rPr>
-              <a:t> class, </a:t>
-            </a:r>
-            <a:r>
-              <a:rPr lang="en-US" i="1" dirty="0">
-                <a:solidFill>
-                  <a:srgbClr val="0070C0"/>
-                </a:solidFill>
-              </a:rPr>
-              <a:t>property</a:t>
-            </a:r>
-            <a:r>
-              <a:rPr lang="en-US" dirty="0">
-                <a:solidFill>
-                  <a:srgbClr val="0070C0"/>
-                </a:solidFill>
-              </a:rPr>
-              <a:t> dan </a:t>
-            </a:r>
-            <a:r>
-              <a:rPr lang="en-US" i="1" dirty="0">
-                <a:solidFill>
-                  <a:srgbClr val="0070C0"/>
-                </a:solidFill>
-              </a:rPr>
-              <a:t>method</a:t>
-            </a:r>
-            <a:r>
-              <a:rPr lang="en-US" dirty="0"/>
-              <a:t>.</a:t>
-            </a:r>
-            <a:endParaRPr lang="id-ID" dirty="0"/>
-          </a:p>
-          <a:p>
-            <a:endParaRPr lang="en-ID" dirty="0"/>
-          </a:p>
-        </p:txBody>
-      </p:sp>
-      <p:pic>
-        <p:nvPicPr>
-          <p:cNvPr id="4" name="Picture 3">
-            <a:extLst>
-              <a:ext uri="{FF2B5EF4-FFF2-40B4-BE49-F238E27FC236}">
-                <a16:creationId xmlns:a16="http://schemas.microsoft.com/office/drawing/2014/main" id="{D4CE1EF3-8521-408C-9DCA-3A8C3F575814}"/>
-              </a:ext>
-            </a:extLst>
-          </p:cNvPr>
-          <p:cNvPicPr>
-            <a:picLocks noChangeAspect="1"/>
-          </p:cNvPicPr>
-          <p:nvPr/>
-        </p:nvPicPr>
-        <p:blipFill>
-          <a:blip r:embed="rId2"/>
-          <a:stretch>
-            <a:fillRect/>
-          </a:stretch>
-        </p:blipFill>
-        <p:spPr>
-          <a:xfrm>
-            <a:off x="619184" y="2183346"/>
-            <a:ext cx="7678380" cy="3651714"/>
-          </a:xfrm>
-          <a:prstGeom prst="rect">
-            <a:avLst/>
-          </a:prstGeom>
-        </p:spPr>
-      </p:pic>
-    </p:spTree>
-    <p:extLst>
-      <p:ext uri="{BB962C8B-B14F-4D97-AF65-F5344CB8AC3E}">
-        <p14:creationId xmlns:p14="http://schemas.microsoft.com/office/powerpoint/2010/main" val="607524504"/>
-      </p:ext>
-    </p:extLst>
-  </p:cSld>
-  <p:clrMapOvr>
-    <a:masterClrMapping/>
-  </p:clrMapOvr>
-</p:sld>
-</file>
-
-<file path=ppt/slides/slide24.xml><?xml version="1.0" encoding="utf-8"?>
-<p:sld xmlns:a="http://schemas.openxmlformats.org/drawingml/2006/main" xmlns:r="http://schemas.openxmlformats.org/officeDocument/2006/relationships" xmlns:p="http://schemas.openxmlformats.org/presentationml/2006/main">
-  <p:cSld>
-    <p:spTree>
-      <p:nvGrpSpPr>
-        <p:cNvPr id="1" name=""/>
-        <p:cNvGrpSpPr/>
-        <p:nvPr/>
-      </p:nvGrpSpPr>
-      <p:grpSpPr>
-        <a:xfrm>
-          <a:off x="0" y="0"/>
-          <a:ext cx="0" cy="0"/>
-          <a:chOff x="0" y="0"/>
-          <a:chExt cx="0" cy="0"/>
-        </a:xfrm>
-      </p:grpSpPr>
-      <p:sp>
-        <p:nvSpPr>
-          <p:cNvPr id="2" name="Title 1"/>
-          <p:cNvSpPr>
-            <a:spLocks noGrp="1"/>
-          </p:cNvSpPr>
-          <p:nvPr>
-            <p:ph type="title"/>
-          </p:nvPr>
-        </p:nvSpPr>
-        <p:spPr/>
-        <p:txBody>
-          <a:bodyPr/>
-          <a:lstStyle/>
-          <a:p>
-            <a:r>
-              <a:rPr lang="en-US" dirty="0"/>
-              <a:t>b. Default / </a:t>
-            </a:r>
-            <a:r>
-              <a:rPr lang="en-US" dirty="0" err="1"/>
-              <a:t>nomodifier</a:t>
-            </a:r>
-            <a:br>
-              <a:rPr lang="en-US" dirty="0"/>
-            </a:br>
-            <a:endParaRPr lang="en-US" dirty="0"/>
-          </a:p>
-        </p:txBody>
-      </p:sp>
-      <p:sp>
-        <p:nvSpPr>
-          <p:cNvPr id="6" name="Content Placeholder 5">
-            <a:extLst>
-              <a:ext uri="{FF2B5EF4-FFF2-40B4-BE49-F238E27FC236}">
-                <a16:creationId xmlns:a16="http://schemas.microsoft.com/office/drawing/2014/main" id="{FB521417-A142-4A74-940F-F071D0BB1AA1}"/>
-              </a:ext>
-            </a:extLst>
-          </p:cNvPr>
-          <p:cNvSpPr>
-            <a:spLocks noGrp="1"/>
-          </p:cNvSpPr>
-          <p:nvPr>
-            <p:ph idx="1"/>
-          </p:nvPr>
-        </p:nvSpPr>
-        <p:spPr>
-          <a:xfrm>
-            <a:off x="476251" y="999162"/>
-            <a:ext cx="8319406" cy="4859675"/>
-          </a:xfrm>
-        </p:spPr>
-        <p:txBody>
-          <a:bodyPr>
-            <a:normAutofit/>
-          </a:bodyPr>
-          <a:lstStyle/>
-          <a:p>
-            <a:r>
-              <a:rPr lang="en-US" sz="2400" dirty="0" err="1"/>
-              <a:t>Hanya</a:t>
-            </a:r>
-            <a:r>
-              <a:rPr lang="en-US" sz="2400" dirty="0"/>
-              <a:t> </a:t>
-            </a:r>
-            <a:r>
-              <a:rPr lang="en-US" sz="2400" dirty="0" err="1"/>
-              <a:t>bisa</a:t>
-            </a:r>
-            <a:r>
-              <a:rPr lang="en-US" sz="2400" dirty="0"/>
-              <a:t> </a:t>
-            </a:r>
-            <a:r>
-              <a:rPr lang="en-US" sz="2400" dirty="0" err="1"/>
-              <a:t>diakses</a:t>
-            </a:r>
-            <a:r>
-              <a:rPr lang="en-US" sz="2400" dirty="0"/>
-              <a:t> oleh </a:t>
-            </a:r>
-            <a:r>
-              <a:rPr lang="en-US" sz="2400" dirty="0">
-                <a:solidFill>
-                  <a:srgbClr val="FF0000"/>
-                </a:solidFill>
-              </a:rPr>
-              <a:t>package </a:t>
-            </a:r>
-            <a:r>
-              <a:rPr lang="en-US" sz="2400" dirty="0" err="1">
-                <a:solidFill>
-                  <a:srgbClr val="FF0000"/>
-                </a:solidFill>
-              </a:rPr>
-              <a:t>sendiri</a:t>
-            </a:r>
-            <a:r>
-              <a:rPr lang="en-US" sz="2400" dirty="0">
-                <a:solidFill>
-                  <a:srgbClr val="FF0000"/>
-                </a:solidFill>
-              </a:rPr>
-              <a:t> </a:t>
-            </a:r>
-            <a:r>
-              <a:rPr lang="en-US" sz="2400" dirty="0"/>
-              <a:t>dan </a:t>
-            </a:r>
-            <a:r>
-              <a:rPr lang="en-US" sz="2400" dirty="0">
-                <a:solidFill>
-                  <a:srgbClr val="FF0000"/>
-                </a:solidFill>
-              </a:rPr>
-              <a:t>class </a:t>
-            </a:r>
-            <a:r>
-              <a:rPr lang="en-US" sz="2400" dirty="0" err="1">
-                <a:solidFill>
-                  <a:srgbClr val="FF0000"/>
-                </a:solidFill>
-              </a:rPr>
-              <a:t>sendiri</a:t>
-            </a:r>
-            <a:r>
-              <a:rPr lang="en-US" sz="2400" dirty="0"/>
-              <a:t>.</a:t>
-            </a:r>
-            <a:endParaRPr lang="en-ID" sz="2400" dirty="0"/>
-          </a:p>
-        </p:txBody>
-      </p:sp>
-      <p:pic>
-        <p:nvPicPr>
-          <p:cNvPr id="10" name="Picture 9">
-            <a:extLst>
-              <a:ext uri="{FF2B5EF4-FFF2-40B4-BE49-F238E27FC236}">
-                <a16:creationId xmlns:a16="http://schemas.microsoft.com/office/drawing/2014/main" id="{EDF2F1BF-9A60-48A3-B361-01AD21C59860}"/>
-              </a:ext>
-            </a:extLst>
-          </p:cNvPr>
-          <p:cNvPicPr>
-            <a:picLocks noChangeAspect="1"/>
-          </p:cNvPicPr>
-          <p:nvPr/>
-        </p:nvPicPr>
-        <p:blipFill>
-          <a:blip r:embed="rId2"/>
-          <a:stretch>
-            <a:fillRect/>
-          </a:stretch>
-        </p:blipFill>
-        <p:spPr>
-          <a:xfrm>
-            <a:off x="0" y="1877278"/>
-            <a:ext cx="9144000" cy="4697113"/>
-          </a:xfrm>
-          <a:prstGeom prst="rect">
-            <a:avLst/>
-          </a:prstGeom>
-        </p:spPr>
-      </p:pic>
-    </p:spTree>
-    <p:extLst>
-      <p:ext uri="{BB962C8B-B14F-4D97-AF65-F5344CB8AC3E}">
-        <p14:creationId xmlns:p14="http://schemas.microsoft.com/office/powerpoint/2010/main" val="1808646603"/>
-      </p:ext>
-    </p:extLst>
-  </p:cSld>
-  <p:clrMapOvr>
-    <a:masterClrMapping/>
-  </p:clrMapOvr>
-</p:sld>
-</file>
-
-<file path=ppt/slides/slide25.xml><?xml version="1.0" encoding="utf-8"?>
-<p:sld xmlns:a="http://schemas.openxmlformats.org/drawingml/2006/main" xmlns:r="http://schemas.openxmlformats.org/officeDocument/2006/relationships" xmlns:p="http://schemas.openxmlformats.org/presentationml/2006/main">
-  <p:cSld>
-    <p:spTree>
-      <p:nvGrpSpPr>
-        <p:cNvPr id="1" name=""/>
-        <p:cNvGrpSpPr/>
-        <p:nvPr/>
-      </p:nvGrpSpPr>
-      <p:grpSpPr>
-        <a:xfrm>
-          <a:off x="0" y="0"/>
-          <a:ext cx="0" cy="0"/>
-          <a:chOff x="0" y="0"/>
-          <a:chExt cx="0" cy="0"/>
-        </a:xfrm>
-      </p:grpSpPr>
-      <p:sp>
-        <p:nvSpPr>
-          <p:cNvPr id="2" name="Title 1"/>
-          <p:cNvSpPr>
-            <a:spLocks noGrp="1"/>
-          </p:cNvSpPr>
-          <p:nvPr>
-            <p:ph type="title"/>
-          </p:nvPr>
-        </p:nvSpPr>
-        <p:spPr/>
-        <p:txBody>
-          <a:bodyPr/>
-          <a:lstStyle/>
-          <a:p>
-            <a:r>
-              <a:rPr lang="en-US" dirty="0"/>
-              <a:t>c. Public</a:t>
-            </a:r>
-            <a:br>
-              <a:rPr lang="en-US" dirty="0"/>
-            </a:br>
-            <a:endParaRPr lang="en-US" dirty="0"/>
-          </a:p>
-        </p:txBody>
-      </p:sp>
-      <p:sp>
-        <p:nvSpPr>
-          <p:cNvPr id="6" name="Content Placeholder 5">
-            <a:extLst>
-              <a:ext uri="{FF2B5EF4-FFF2-40B4-BE49-F238E27FC236}">
-                <a16:creationId xmlns:a16="http://schemas.microsoft.com/office/drawing/2014/main" id="{FB521417-A142-4A74-940F-F071D0BB1AA1}"/>
-              </a:ext>
-            </a:extLst>
-          </p:cNvPr>
-          <p:cNvSpPr>
-            <a:spLocks noGrp="1"/>
-          </p:cNvSpPr>
-          <p:nvPr>
-            <p:ph idx="1"/>
-          </p:nvPr>
-        </p:nvSpPr>
-        <p:spPr>
-          <a:xfrm>
-            <a:off x="476251" y="999162"/>
-            <a:ext cx="8319406" cy="4859675"/>
-          </a:xfrm>
-        </p:spPr>
-        <p:txBody>
-          <a:bodyPr>
-            <a:normAutofit/>
-          </a:bodyPr>
-          <a:lstStyle/>
-          <a:p>
-            <a:r>
-              <a:rPr lang="en-US" sz="2400" dirty="0" err="1"/>
-              <a:t>Bisa</a:t>
-            </a:r>
-            <a:r>
-              <a:rPr lang="en-US" sz="2400" dirty="0"/>
-              <a:t> </a:t>
-            </a:r>
-            <a:r>
-              <a:rPr lang="en-US" sz="2400" dirty="0" err="1"/>
-              <a:t>diakses</a:t>
-            </a:r>
-            <a:r>
-              <a:rPr lang="en-US" sz="2400" dirty="0"/>
-              <a:t> </a:t>
-            </a:r>
-            <a:r>
-              <a:rPr lang="en-US" sz="2400" dirty="0" err="1">
-                <a:solidFill>
-                  <a:srgbClr val="FF0000"/>
-                </a:solidFill>
-              </a:rPr>
-              <a:t>dari</a:t>
-            </a:r>
-            <a:r>
-              <a:rPr lang="en-US" sz="2400" dirty="0">
-                <a:solidFill>
-                  <a:srgbClr val="FF0000"/>
-                </a:solidFill>
-              </a:rPr>
-              <a:t> mana </a:t>
-            </a:r>
-            <a:r>
-              <a:rPr lang="en-US" sz="2400" dirty="0" err="1">
-                <a:solidFill>
-                  <a:srgbClr val="FF0000"/>
-                </a:solidFill>
-              </a:rPr>
-              <a:t>saja</a:t>
-            </a:r>
-            <a:r>
-              <a:rPr lang="en-US" sz="2400" dirty="0"/>
-              <a:t>.</a:t>
-            </a:r>
-            <a:endParaRPr lang="en-ID" sz="2400" dirty="0"/>
-          </a:p>
-        </p:txBody>
-      </p:sp>
-      <p:pic>
-        <p:nvPicPr>
-          <p:cNvPr id="3" name="Picture 2">
-            <a:extLst>
-              <a:ext uri="{FF2B5EF4-FFF2-40B4-BE49-F238E27FC236}">
-                <a16:creationId xmlns:a16="http://schemas.microsoft.com/office/drawing/2014/main" id="{33A0459D-39E5-4D6D-B386-711AEF3D6B2B}"/>
-              </a:ext>
-            </a:extLst>
-          </p:cNvPr>
-          <p:cNvPicPr>
-            <a:picLocks noChangeAspect="1"/>
-          </p:cNvPicPr>
-          <p:nvPr/>
-        </p:nvPicPr>
-        <p:blipFill>
-          <a:blip r:embed="rId2"/>
-          <a:stretch>
-            <a:fillRect/>
-          </a:stretch>
-        </p:blipFill>
-        <p:spPr>
-          <a:xfrm>
-            <a:off x="0" y="1820942"/>
-            <a:ext cx="9144000" cy="4679156"/>
-          </a:xfrm>
-          <a:prstGeom prst="rect">
-            <a:avLst/>
-          </a:prstGeom>
-        </p:spPr>
-      </p:pic>
-    </p:spTree>
-    <p:extLst>
-      <p:ext uri="{BB962C8B-B14F-4D97-AF65-F5344CB8AC3E}">
-        <p14:creationId xmlns:p14="http://schemas.microsoft.com/office/powerpoint/2010/main" val="1142921693"/>
-      </p:ext>
-    </p:extLst>
-  </p:cSld>
-  <p:clrMapOvr>
-    <a:masterClrMapping/>
-  </p:clrMapOvr>
-</p:sld>
-</file>
-
-<file path=ppt/slides/slide26.xml><?xml version="1.0" encoding="utf-8"?>
-<p:sld xmlns:a="http://schemas.openxmlformats.org/drawingml/2006/main" xmlns:r="http://schemas.openxmlformats.org/officeDocument/2006/relationships" xmlns:p="http://schemas.openxmlformats.org/presentationml/2006/main">
-  <p:cSld>
-    <p:spTree>
-      <p:nvGrpSpPr>
-        <p:cNvPr id="1" name=""/>
-        <p:cNvGrpSpPr/>
-        <p:nvPr/>
-      </p:nvGrpSpPr>
-      <p:grpSpPr>
-        <a:xfrm>
-          <a:off x="0" y="0"/>
-          <a:ext cx="0" cy="0"/>
-          <a:chOff x="0" y="0"/>
-          <a:chExt cx="0" cy="0"/>
-        </a:xfrm>
-      </p:grpSpPr>
-      <p:sp>
-        <p:nvSpPr>
-          <p:cNvPr id="2" name="Title 1"/>
-          <p:cNvSpPr>
-            <a:spLocks noGrp="1"/>
-          </p:cNvSpPr>
-          <p:nvPr>
-            <p:ph type="title"/>
-          </p:nvPr>
-        </p:nvSpPr>
-        <p:spPr/>
-        <p:txBody>
-          <a:bodyPr/>
-          <a:lstStyle/>
-          <a:p>
-            <a:r>
-              <a:rPr lang="en-US" dirty="0"/>
-              <a:t>d. Private</a:t>
-            </a:r>
-            <a:br>
-              <a:rPr lang="en-US" dirty="0"/>
-            </a:br>
-            <a:endParaRPr lang="en-US" dirty="0"/>
-          </a:p>
-        </p:txBody>
-      </p:sp>
-      <p:sp>
-        <p:nvSpPr>
-          <p:cNvPr id="6" name="Content Placeholder 5">
-            <a:extLst>
-              <a:ext uri="{FF2B5EF4-FFF2-40B4-BE49-F238E27FC236}">
-                <a16:creationId xmlns:a16="http://schemas.microsoft.com/office/drawing/2014/main" id="{FB521417-A142-4A74-940F-F071D0BB1AA1}"/>
-              </a:ext>
-            </a:extLst>
-          </p:cNvPr>
-          <p:cNvSpPr>
-            <a:spLocks noGrp="1"/>
-          </p:cNvSpPr>
-          <p:nvPr>
-            <p:ph idx="1"/>
-          </p:nvPr>
-        </p:nvSpPr>
-        <p:spPr>
-          <a:xfrm>
-            <a:off x="476251" y="999162"/>
-            <a:ext cx="8319406" cy="4859675"/>
-          </a:xfrm>
-        </p:spPr>
-        <p:txBody>
-          <a:bodyPr>
-            <a:normAutofit/>
-          </a:bodyPr>
-          <a:lstStyle/>
-          <a:p>
-            <a:r>
-              <a:rPr lang="en-US" sz="2400" dirty="0" err="1"/>
-              <a:t>Hanya</a:t>
-            </a:r>
-            <a:r>
-              <a:rPr lang="en-US" sz="2400" dirty="0"/>
-              <a:t> </a:t>
-            </a:r>
-            <a:r>
-              <a:rPr lang="en-US" sz="2400" dirty="0" err="1"/>
-              <a:t>Bisa</a:t>
-            </a:r>
-            <a:r>
-              <a:rPr lang="en-US" sz="2400" dirty="0"/>
-              <a:t> </a:t>
-            </a:r>
-            <a:r>
-              <a:rPr lang="en-US" sz="2400" dirty="0" err="1"/>
-              <a:t>diakses</a:t>
-            </a:r>
-            <a:r>
-              <a:rPr lang="en-US" sz="2400" dirty="0"/>
-              <a:t> </a:t>
-            </a:r>
-            <a:r>
-              <a:rPr lang="en-US" sz="2400" dirty="0" err="1"/>
-              <a:t>dari</a:t>
-            </a:r>
-            <a:r>
-              <a:rPr lang="en-US" sz="2400" dirty="0">
-                <a:solidFill>
-                  <a:srgbClr val="FF0000"/>
-                </a:solidFill>
-              </a:rPr>
-              <a:t> </a:t>
-            </a:r>
-            <a:r>
-              <a:rPr lang="en-US" sz="2400" dirty="0" err="1">
-                <a:solidFill>
-                  <a:srgbClr val="FF0000"/>
-                </a:solidFill>
-              </a:rPr>
-              <a:t>kelasnya</a:t>
-            </a:r>
-            <a:r>
-              <a:rPr lang="en-US" sz="2400" dirty="0">
-                <a:solidFill>
-                  <a:srgbClr val="FF0000"/>
-                </a:solidFill>
-              </a:rPr>
-              <a:t> </a:t>
-            </a:r>
-            <a:r>
-              <a:rPr lang="en-US" sz="2400" dirty="0" err="1">
-                <a:solidFill>
-                  <a:srgbClr val="FF0000"/>
-                </a:solidFill>
-              </a:rPr>
-              <a:t>sendiri</a:t>
-            </a:r>
-            <a:r>
-              <a:rPr lang="en-US" sz="2400" dirty="0"/>
-              <a:t>.</a:t>
-            </a:r>
-            <a:endParaRPr lang="en-ID" sz="2400" dirty="0"/>
-          </a:p>
-        </p:txBody>
-      </p:sp>
-      <p:pic>
-        <p:nvPicPr>
-          <p:cNvPr id="4" name="Picture 3">
-            <a:extLst>
-              <a:ext uri="{FF2B5EF4-FFF2-40B4-BE49-F238E27FC236}">
-                <a16:creationId xmlns:a16="http://schemas.microsoft.com/office/drawing/2014/main" id="{3EE4C461-BCA6-42C7-AA0C-2C17C209F0B5}"/>
-              </a:ext>
-            </a:extLst>
-          </p:cNvPr>
-          <p:cNvPicPr>
-            <a:picLocks noChangeAspect="1"/>
-          </p:cNvPicPr>
-          <p:nvPr/>
-        </p:nvPicPr>
-        <p:blipFill>
-          <a:blip r:embed="rId2"/>
-          <a:stretch>
-            <a:fillRect/>
-          </a:stretch>
-        </p:blipFill>
-        <p:spPr>
-          <a:xfrm>
-            <a:off x="0" y="1811450"/>
-            <a:ext cx="9144000" cy="4672013"/>
-          </a:xfrm>
-          <a:prstGeom prst="rect">
-            <a:avLst/>
-          </a:prstGeom>
-        </p:spPr>
-      </p:pic>
-    </p:spTree>
-    <p:extLst>
-      <p:ext uri="{BB962C8B-B14F-4D97-AF65-F5344CB8AC3E}">
-        <p14:creationId xmlns:p14="http://schemas.microsoft.com/office/powerpoint/2010/main" val="157281478"/>
-      </p:ext>
-    </p:extLst>
-  </p:cSld>
-  <p:clrMapOvr>
-    <a:masterClrMapping/>
-  </p:clrMapOvr>
-</p:sld>
-</file>
-
-<file path=ppt/slides/slide27.xml><?xml version="1.0" encoding="utf-8"?>
-<p:sld xmlns:a="http://schemas.openxmlformats.org/drawingml/2006/main" xmlns:r="http://schemas.openxmlformats.org/officeDocument/2006/relationships" xmlns:p="http://schemas.openxmlformats.org/presentationml/2006/main">
-  <p:cSld>
-    <p:spTree>
-      <p:nvGrpSpPr>
-        <p:cNvPr id="1" name=""/>
-        <p:cNvGrpSpPr/>
-        <p:nvPr/>
-      </p:nvGrpSpPr>
-      <p:grpSpPr>
-        <a:xfrm>
-          <a:off x="0" y="0"/>
-          <a:ext cx="0" cy="0"/>
-          <a:chOff x="0" y="0"/>
-          <a:chExt cx="0" cy="0"/>
-        </a:xfrm>
-      </p:grpSpPr>
-      <p:sp>
-        <p:nvSpPr>
-          <p:cNvPr id="2" name="Title 1"/>
-          <p:cNvSpPr>
-            <a:spLocks noGrp="1"/>
-          </p:cNvSpPr>
-          <p:nvPr>
-            <p:ph type="title"/>
-          </p:nvPr>
-        </p:nvSpPr>
-        <p:spPr/>
-        <p:txBody>
-          <a:bodyPr/>
-          <a:lstStyle/>
-          <a:p>
-            <a:r>
-              <a:rPr lang="en-US" dirty="0"/>
-              <a:t>e. Protected</a:t>
-            </a:r>
-            <a:br>
-              <a:rPr lang="en-US" dirty="0"/>
-            </a:br>
-            <a:endParaRPr lang="en-US" dirty="0"/>
-          </a:p>
-        </p:txBody>
-      </p:sp>
-      <p:sp>
-        <p:nvSpPr>
-          <p:cNvPr id="6" name="Content Placeholder 5">
-            <a:extLst>
-              <a:ext uri="{FF2B5EF4-FFF2-40B4-BE49-F238E27FC236}">
-                <a16:creationId xmlns:a16="http://schemas.microsoft.com/office/drawing/2014/main" id="{FB521417-A142-4A74-940F-F071D0BB1AA1}"/>
-              </a:ext>
-            </a:extLst>
-          </p:cNvPr>
-          <p:cNvSpPr>
-            <a:spLocks noGrp="1"/>
-          </p:cNvSpPr>
-          <p:nvPr>
-            <p:ph idx="1"/>
-          </p:nvPr>
-        </p:nvSpPr>
-        <p:spPr>
-          <a:xfrm>
-            <a:off x="476251" y="999162"/>
-            <a:ext cx="8319406" cy="4859675"/>
-          </a:xfrm>
-        </p:spPr>
-        <p:txBody>
-          <a:bodyPr>
-            <a:normAutofit/>
-          </a:bodyPr>
-          <a:lstStyle/>
-          <a:p>
-            <a:r>
-              <a:rPr lang="en-US" sz="2400" dirty="0" err="1"/>
-              <a:t>Bisa</a:t>
-            </a:r>
-            <a:r>
-              <a:rPr lang="en-US" sz="2400" dirty="0"/>
-              <a:t> </a:t>
-            </a:r>
-            <a:r>
-              <a:rPr lang="en-US" sz="2400" dirty="0" err="1"/>
-              <a:t>diakses</a:t>
-            </a:r>
-            <a:r>
-              <a:rPr lang="en-US" sz="2400" dirty="0"/>
-              <a:t> </a:t>
-            </a:r>
-            <a:r>
-              <a:rPr lang="en-US" sz="2400" dirty="0" err="1"/>
-              <a:t>dari</a:t>
-            </a:r>
-            <a:r>
-              <a:rPr lang="en-US" sz="2400" dirty="0">
-                <a:solidFill>
-                  <a:srgbClr val="FF0000"/>
-                </a:solidFill>
-              </a:rPr>
-              <a:t> </a:t>
-            </a:r>
-            <a:r>
-              <a:rPr lang="en-US" sz="2400" dirty="0" err="1">
-                <a:solidFill>
-                  <a:srgbClr val="FF0000"/>
-                </a:solidFill>
-              </a:rPr>
-              <a:t>satu</a:t>
-            </a:r>
-            <a:r>
-              <a:rPr lang="en-US" sz="2400" dirty="0">
-                <a:solidFill>
-                  <a:srgbClr val="FF0000"/>
-                </a:solidFill>
-              </a:rPr>
-              <a:t> package, </a:t>
-            </a:r>
-            <a:r>
-              <a:rPr lang="en-US" sz="2400" dirty="0" err="1">
-                <a:solidFill>
-                  <a:srgbClr val="FF0000"/>
-                </a:solidFill>
-              </a:rPr>
-              <a:t>satu</a:t>
-            </a:r>
-            <a:r>
-              <a:rPr lang="en-US" sz="2400" dirty="0">
-                <a:solidFill>
-                  <a:srgbClr val="FF0000"/>
-                </a:solidFill>
-              </a:rPr>
-              <a:t> </a:t>
-            </a:r>
-            <a:r>
-              <a:rPr lang="en-US" sz="2400" dirty="0" err="1">
-                <a:solidFill>
-                  <a:srgbClr val="FF0000"/>
-                </a:solidFill>
-              </a:rPr>
-              <a:t>kelas</a:t>
-            </a:r>
-            <a:r>
-              <a:rPr lang="en-US" sz="2400" dirty="0">
-                <a:solidFill>
-                  <a:srgbClr val="FF0000"/>
-                </a:solidFill>
-              </a:rPr>
-              <a:t>, dan </a:t>
-            </a:r>
-            <a:r>
-              <a:rPr lang="en-US" sz="2400" dirty="0" err="1">
-                <a:solidFill>
-                  <a:srgbClr val="FF0000"/>
-                </a:solidFill>
-              </a:rPr>
-              <a:t>kelas</a:t>
-            </a:r>
-            <a:r>
-              <a:rPr lang="en-US" sz="2400" dirty="0">
-                <a:solidFill>
-                  <a:srgbClr val="FF0000"/>
-                </a:solidFill>
-              </a:rPr>
-              <a:t> </a:t>
-            </a:r>
-            <a:r>
-              <a:rPr lang="en-US" sz="2400" dirty="0" err="1">
-                <a:solidFill>
-                  <a:srgbClr val="FF0000"/>
-                </a:solidFill>
-              </a:rPr>
-              <a:t>turunan</a:t>
-            </a:r>
-            <a:r>
-              <a:rPr lang="en-US" sz="2400" dirty="0"/>
-              <a:t>.</a:t>
-            </a:r>
-            <a:endParaRPr lang="en-ID" sz="2400" dirty="0"/>
-          </a:p>
-        </p:txBody>
-      </p:sp>
-      <p:pic>
-        <p:nvPicPr>
-          <p:cNvPr id="3" name="Picture 2">
-            <a:extLst>
-              <a:ext uri="{FF2B5EF4-FFF2-40B4-BE49-F238E27FC236}">
-                <a16:creationId xmlns:a16="http://schemas.microsoft.com/office/drawing/2014/main" id="{D36F96A8-49EE-459B-A762-40D7CAB0475C}"/>
-              </a:ext>
-            </a:extLst>
-          </p:cNvPr>
-          <p:cNvPicPr>
-            <a:picLocks noChangeAspect="1"/>
-          </p:cNvPicPr>
-          <p:nvPr/>
-        </p:nvPicPr>
-        <p:blipFill>
-          <a:blip r:embed="rId2"/>
-          <a:stretch>
-            <a:fillRect/>
-          </a:stretch>
-        </p:blipFill>
-        <p:spPr>
-          <a:xfrm>
-            <a:off x="0" y="1689462"/>
-            <a:ext cx="9144000" cy="4733112"/>
-          </a:xfrm>
-          <a:prstGeom prst="rect">
-            <a:avLst/>
-          </a:prstGeom>
-        </p:spPr>
-      </p:pic>
-    </p:spTree>
-    <p:extLst>
-      <p:ext uri="{BB962C8B-B14F-4D97-AF65-F5344CB8AC3E}">
-        <p14:creationId xmlns:p14="http://schemas.microsoft.com/office/powerpoint/2010/main" val="3553461761"/>
-      </p:ext>
-    </p:extLst>
-  </p:cSld>
-  <p:clrMapOvr>
-    <a:masterClrMapping/>
-  </p:clrMapOvr>
-</p:sld>
-</file>
-
-<file path=ppt/slides/slide28.xml><?xml version="1.0" encoding="utf-8"?>
-<p:sld xmlns:a="http://schemas.openxmlformats.org/drawingml/2006/main" xmlns:r="http://schemas.openxmlformats.org/officeDocument/2006/relationships" xmlns:p="http://schemas.openxmlformats.org/presentationml/2006/main">
-  <p:cSld>
-    <p:spTree>
-      <p:nvGrpSpPr>
-        <p:cNvPr id="1" name=""/>
-        <p:cNvGrpSpPr/>
-        <p:nvPr/>
-      </p:nvGrpSpPr>
-      <p:grpSpPr>
-        <a:xfrm>
-          <a:off x="0" y="0"/>
-          <a:ext cx="0" cy="0"/>
-          <a:chOff x="0" y="0"/>
-          <a:chExt cx="0" cy="0"/>
-        </a:xfrm>
-      </p:grpSpPr>
-      <p:sp>
-        <p:nvSpPr>
-          <p:cNvPr id="2" name="Title 1">
-            <a:extLst>
-              <a:ext uri="{FF2B5EF4-FFF2-40B4-BE49-F238E27FC236}">
-                <a16:creationId xmlns:a16="http://schemas.microsoft.com/office/drawing/2014/main" id="{61FF8C52-E239-439B-9BB1-F6A55BC6CCBD}"/>
-              </a:ext>
-            </a:extLst>
-          </p:cNvPr>
-          <p:cNvSpPr>
-            <a:spLocks noGrp="1"/>
-          </p:cNvSpPr>
-          <p:nvPr>
-            <p:ph type="title"/>
-          </p:nvPr>
-        </p:nvSpPr>
-        <p:spPr/>
-        <p:txBody>
-          <a:bodyPr/>
-          <a:lstStyle/>
-          <a:p>
-            <a:r>
-              <a:rPr lang="en-US" dirty="0"/>
-              <a:t>3) UML class diagram </a:t>
-            </a:r>
-            <a:r>
-              <a:rPr lang="en-US" dirty="0">
-                <a:sym typeface="Wingdings" panose="05000000000000000000" pitchFamily="2" charset="2"/>
-              </a:rPr>
-              <a:t> code</a:t>
-            </a:r>
-            <a:endParaRPr lang="en-ID" dirty="0"/>
-          </a:p>
-        </p:txBody>
-      </p:sp>
-      <p:sp>
-        <p:nvSpPr>
-          <p:cNvPr id="3" name="Text Placeholder 2">
-            <a:extLst>
-              <a:ext uri="{FF2B5EF4-FFF2-40B4-BE49-F238E27FC236}">
-                <a16:creationId xmlns:a16="http://schemas.microsoft.com/office/drawing/2014/main" id="{BC72AF80-A676-4F52-AE87-1CC34988949B}"/>
-              </a:ext>
-            </a:extLst>
-          </p:cNvPr>
-          <p:cNvSpPr>
-            <a:spLocks noGrp="1"/>
-          </p:cNvSpPr>
-          <p:nvPr>
-            <p:ph type="body" idx="1"/>
-          </p:nvPr>
-        </p:nvSpPr>
-        <p:spPr/>
-        <p:txBody>
-          <a:bodyPr/>
-          <a:lstStyle/>
-          <a:p>
-            <a:pPr marL="514350" indent="-514350">
-              <a:buFont typeface="+mj-lt"/>
-              <a:buAutoNum type="alphaLcPeriod"/>
-            </a:pPr>
-            <a:r>
-              <a:rPr lang="en-US" dirty="0"/>
-              <a:t>UML (Class Diagram)</a:t>
-            </a:r>
-          </a:p>
-          <a:p>
-            <a:pPr marL="514350" indent="-514350">
-              <a:buFont typeface="+mj-lt"/>
-              <a:buAutoNum type="alphaLcPeriod"/>
-            </a:pPr>
-            <a:r>
-              <a:rPr lang="en-US" dirty="0"/>
-              <a:t>UML (Class Diagram) </a:t>
-            </a:r>
-            <a:r>
-              <a:rPr lang="en-US" dirty="0">
-                <a:sym typeface="Wingdings" panose="05000000000000000000" pitchFamily="2" charset="2"/>
-              </a:rPr>
-              <a:t> Coding java</a:t>
-            </a:r>
-            <a:endParaRPr lang="en-ID" dirty="0"/>
-          </a:p>
-        </p:txBody>
-      </p:sp>
-    </p:spTree>
-    <p:extLst>
-      <p:ext uri="{BB962C8B-B14F-4D97-AF65-F5344CB8AC3E}">
-        <p14:creationId xmlns:p14="http://schemas.microsoft.com/office/powerpoint/2010/main" val="1765352296"/>
-      </p:ext>
-    </p:extLst>
-  </p:cSld>
-  <p:clrMapOvr>
-    <a:masterClrMapping/>
-  </p:clrMapOvr>
-</p:sld>
-</file>
-
-<file path=ppt/slides/slide29.xml><?xml version="1.0" encoding="utf-8"?>
-<p:sld xmlns:a="http://schemas.openxmlformats.org/drawingml/2006/main" xmlns:r="http://schemas.openxmlformats.org/officeDocument/2006/relationships" xmlns:p="http://schemas.openxmlformats.org/presentationml/2006/main">
-  <p:cSld>
-    <p:spTree>
-      <p:nvGrpSpPr>
-        <p:cNvPr id="1" name=""/>
-        <p:cNvGrpSpPr/>
-        <p:nvPr/>
-      </p:nvGrpSpPr>
-      <p:grpSpPr>
-        <a:xfrm>
-          <a:off x="0" y="0"/>
-          <a:ext cx="0" cy="0"/>
-          <a:chOff x="0" y="0"/>
-          <a:chExt cx="0" cy="0"/>
-        </a:xfrm>
-      </p:grpSpPr>
-      <p:sp>
-        <p:nvSpPr>
-          <p:cNvPr id="2" name="Title 1">
-            <a:extLst>
-              <a:ext uri="{FF2B5EF4-FFF2-40B4-BE49-F238E27FC236}">
-                <a16:creationId xmlns:a16="http://schemas.microsoft.com/office/drawing/2014/main" id="{89E8AC13-F2A3-48DB-979A-58E37A055926}"/>
-              </a:ext>
-            </a:extLst>
-          </p:cNvPr>
-          <p:cNvSpPr>
-            <a:spLocks noGrp="1"/>
-          </p:cNvSpPr>
-          <p:nvPr>
-            <p:ph type="title"/>
-          </p:nvPr>
-        </p:nvSpPr>
-        <p:spPr/>
-        <p:txBody>
-          <a:bodyPr/>
-          <a:lstStyle/>
-          <a:p>
-            <a:r>
-              <a:rPr lang="en-US" dirty="0"/>
-              <a:t>a. UML (Class Diagram)</a:t>
-            </a:r>
-            <a:endParaRPr lang="en-ID" dirty="0"/>
-          </a:p>
-        </p:txBody>
-      </p:sp>
-      <p:sp>
-        <p:nvSpPr>
-          <p:cNvPr id="3" name="Content Placeholder 2">
-            <a:extLst>
-              <a:ext uri="{FF2B5EF4-FFF2-40B4-BE49-F238E27FC236}">
-                <a16:creationId xmlns:a16="http://schemas.microsoft.com/office/drawing/2014/main" id="{988724A1-CE89-4020-92DE-B09797B771A9}"/>
-              </a:ext>
-            </a:extLst>
-          </p:cNvPr>
-          <p:cNvSpPr>
-            <a:spLocks noGrp="1"/>
-          </p:cNvSpPr>
-          <p:nvPr>
-            <p:ph idx="1"/>
-          </p:nvPr>
-        </p:nvSpPr>
-        <p:spPr/>
-        <p:txBody>
-          <a:bodyPr>
-            <a:normAutofit/>
-          </a:bodyPr>
-          <a:lstStyle/>
-          <a:p>
-            <a:r>
-              <a:rPr lang="en-US" dirty="0" err="1"/>
-              <a:t>Kepanjangan</a:t>
-            </a:r>
-            <a:r>
-              <a:rPr lang="en-US" dirty="0"/>
-              <a:t> </a:t>
-            </a:r>
-            <a:r>
-              <a:rPr lang="en-US" dirty="0" err="1"/>
-              <a:t>dari</a:t>
-            </a:r>
-            <a:r>
-              <a:rPr lang="en-US" dirty="0"/>
-              <a:t> </a:t>
-            </a:r>
-            <a:r>
-              <a:rPr lang="en-US" dirty="0" err="1"/>
-              <a:t>Unifield</a:t>
-            </a:r>
-            <a:r>
-              <a:rPr lang="en-US" dirty="0"/>
-              <a:t> Modelling Language.</a:t>
-            </a:r>
-          </a:p>
-          <a:p>
-            <a:r>
-              <a:rPr lang="en-US" dirty="0"/>
-              <a:t>Proses yang </a:t>
-            </a:r>
-            <a:r>
-              <a:rPr lang="en-US" dirty="0" err="1"/>
-              <a:t>ada</a:t>
-            </a:r>
-            <a:r>
-              <a:rPr lang="en-US" dirty="0"/>
-              <a:t> pada UML (</a:t>
-            </a:r>
-            <a:r>
-              <a:rPr lang="en-US" dirty="0" err="1"/>
-              <a:t>kendall</a:t>
-            </a:r>
-            <a:r>
-              <a:rPr lang="en-US" dirty="0"/>
-              <a:t>, 2011):</a:t>
-            </a:r>
-          </a:p>
-          <a:p>
-            <a:pPr marL="914377" lvl="1" indent="-457200">
-              <a:buFont typeface="+mj-lt"/>
-              <a:buAutoNum type="arabicPeriod"/>
-            </a:pPr>
-            <a:r>
-              <a:rPr lang="en-US" dirty="0"/>
-              <a:t>Use Case Diagram : describing how the system is used. </a:t>
-            </a:r>
-            <a:r>
-              <a:rPr lang="en-US" dirty="0">
-                <a:solidFill>
-                  <a:srgbClr val="0070C0"/>
-                </a:solidFill>
-              </a:rPr>
-              <a:t>Analysts start with a use case diagram</a:t>
-            </a:r>
-            <a:endParaRPr lang="en-US" dirty="0"/>
-          </a:p>
-          <a:p>
-            <a:pPr marL="914377" lvl="1" indent="-457200">
-              <a:buFont typeface="+mj-lt"/>
-              <a:buAutoNum type="arabicPeriod"/>
-            </a:pPr>
-            <a:r>
-              <a:rPr lang="en-ID" dirty="0"/>
-              <a:t>Activity Diagram : </a:t>
-            </a:r>
-            <a:r>
-              <a:rPr lang="en-US" dirty="0"/>
-              <a:t>illustrating the overall flow of activities. </a:t>
-            </a:r>
-            <a:r>
-              <a:rPr lang="en-US" dirty="0">
-                <a:solidFill>
-                  <a:srgbClr val="0070C0"/>
-                </a:solidFill>
-              </a:rPr>
-              <a:t>Each use case may create one activity diagram.</a:t>
-            </a:r>
-            <a:endParaRPr lang="en-ID" dirty="0"/>
-          </a:p>
-          <a:p>
-            <a:pPr marL="914377" lvl="1" indent="-457200">
-              <a:buFont typeface="+mj-lt"/>
-              <a:buAutoNum type="arabicPeriod"/>
-            </a:pPr>
-            <a:r>
-              <a:rPr lang="en-ID" dirty="0"/>
-              <a:t>Sequence Diagram : </a:t>
-            </a:r>
-            <a:r>
-              <a:rPr lang="en-US" dirty="0"/>
-              <a:t>showing the sequence of activities and class relationships. </a:t>
-            </a:r>
-            <a:r>
-              <a:rPr lang="en-US" dirty="0">
-                <a:solidFill>
-                  <a:srgbClr val="0070C0"/>
-                </a:solidFill>
-              </a:rPr>
-              <a:t>Each use case may create one or more sequence diagrams</a:t>
-            </a:r>
-            <a:endParaRPr lang="en-ID" dirty="0"/>
-          </a:p>
-          <a:p>
-            <a:pPr marL="914377" lvl="1" indent="-457200">
-              <a:buFont typeface="+mj-lt"/>
-              <a:buAutoNum type="arabicPeriod"/>
-            </a:pPr>
-            <a:r>
-              <a:rPr lang="en-ID" b="1" dirty="0"/>
-              <a:t>Class Diagram</a:t>
-            </a:r>
-            <a:r>
-              <a:rPr lang="en-ID" dirty="0"/>
-              <a:t> : </a:t>
-            </a:r>
-            <a:r>
-              <a:rPr lang="en-US" dirty="0"/>
-              <a:t>showing the classes and relationships. </a:t>
-            </a:r>
-            <a:r>
-              <a:rPr lang="en-US" dirty="0">
-                <a:solidFill>
-                  <a:srgbClr val="0070C0"/>
-                </a:solidFill>
-              </a:rPr>
-              <a:t>Sequence diagrams are used to determine classes</a:t>
-            </a:r>
-            <a:endParaRPr lang="en-ID" dirty="0"/>
-          </a:p>
-        </p:txBody>
-      </p:sp>
-    </p:spTree>
-    <p:extLst>
-      <p:ext uri="{BB962C8B-B14F-4D97-AF65-F5344CB8AC3E}">
-        <p14:creationId xmlns:p14="http://schemas.microsoft.com/office/powerpoint/2010/main" val="1945544311"/>
       </p:ext>
     </p:extLst>
   </p:cSld>
@@ -11348,6 +10304,14 @@
               <a:t>1) </a:t>
             </a:r>
             <a:r>
+              <a:rPr lang="en-US" dirty="0" err="1"/>
+              <a:t>Konsep</a:t>
+            </a:r>
+            <a:r>
+              <a:rPr lang="en-US" dirty="0"/>
+              <a:t> </a:t>
+            </a:r>
+            <a:r>
               <a:rPr lang="en-US" b="1" dirty="0"/>
               <a:t>C</a:t>
             </a:r>
@@ -11377,7 +10341,15 @@
             </a:r>
             <a:r>
               <a:rPr lang="en-US" dirty="0"/>
-              <a:t>ethod</a:t>
+              <a:t>ethod (</a:t>
+            </a:r>
+            <a:r>
+              <a:rPr lang="en-US" b="1" dirty="0"/>
+              <a:t>COPM</a:t>
+            </a:r>
+            <a:r>
+              <a:rPr lang="en-US" dirty="0"/>
+              <a:t>)</a:t>
             </a:r>
             <a:endParaRPr lang="en-ID" dirty="0"/>
           </a:p>
@@ -11408,54 +10380,6 @@
               <a:buFont typeface="+mj-lt"/>
               <a:buAutoNum type="alphaLcPeriod"/>
             </a:pPr>
-            <a:r>
-              <a:rPr lang="en-US" dirty="0" err="1"/>
-              <a:t>Konsep</a:t>
-            </a:r>
-            <a:r>
-              <a:rPr lang="en-US" dirty="0"/>
-              <a:t> COPM</a:t>
-            </a:r>
-          </a:p>
-          <a:p>
-            <a:pPr marL="514350" indent="-514350">
-              <a:buFont typeface="+mj-lt"/>
-              <a:buAutoNum type="alphaLcPeriod"/>
-            </a:pPr>
-            <a:r>
-              <a:rPr lang="en-US" dirty="0"/>
-              <a:t>Class</a:t>
-            </a:r>
-          </a:p>
-          <a:p>
-            <a:pPr marL="514350" indent="-514350">
-              <a:buFont typeface="+mj-lt"/>
-              <a:buAutoNum type="alphaLcPeriod"/>
-            </a:pPr>
-            <a:r>
-              <a:rPr lang="en-US" dirty="0"/>
-              <a:t>Object</a:t>
-            </a:r>
-          </a:p>
-          <a:p>
-            <a:pPr marL="514350" indent="-514350">
-              <a:buFont typeface="+mj-lt"/>
-              <a:buAutoNum type="alphaLcPeriod"/>
-            </a:pPr>
-            <a:r>
-              <a:rPr lang="en-US" dirty="0"/>
-              <a:t>Property</a:t>
-            </a:r>
-          </a:p>
-          <a:p>
-            <a:pPr marL="514350" indent="-514350">
-              <a:buFont typeface="+mj-lt"/>
-              <a:buAutoNum type="alphaLcPeriod"/>
-            </a:pPr>
-            <a:r>
-              <a:rPr lang="en-US" dirty="0"/>
-              <a:t>Method</a:t>
-            </a:r>
             <a:endParaRPr lang="en-ID" dirty="0"/>
           </a:p>
         </p:txBody>
@@ -11464,861 +10388,6 @@
     <p:extLst>
       <p:ext uri="{BB962C8B-B14F-4D97-AF65-F5344CB8AC3E}">
         <p14:creationId xmlns:p14="http://schemas.microsoft.com/office/powerpoint/2010/main" val="2826846034"/>
-      </p:ext>
-    </p:extLst>
-  </p:cSld>
-  <p:clrMapOvr>
-    <a:masterClrMapping/>
-  </p:clrMapOvr>
-</p:sld>
-</file>
-
-<file path=ppt/slides/slide30.xml><?xml version="1.0" encoding="utf-8"?>
-<p:sld xmlns:a="http://schemas.openxmlformats.org/drawingml/2006/main" xmlns:r="http://schemas.openxmlformats.org/officeDocument/2006/relationships" xmlns:p="http://schemas.openxmlformats.org/presentationml/2006/main">
-  <p:cSld>
-    <p:spTree>
-      <p:nvGrpSpPr>
-        <p:cNvPr id="1" name=""/>
-        <p:cNvGrpSpPr/>
-        <p:nvPr/>
-      </p:nvGrpSpPr>
-      <p:grpSpPr>
-        <a:xfrm>
-          <a:off x="0" y="0"/>
-          <a:ext cx="0" cy="0"/>
-          <a:chOff x="0" y="0"/>
-          <a:chExt cx="0" cy="0"/>
-        </a:xfrm>
-      </p:grpSpPr>
-      <p:sp>
-        <p:nvSpPr>
-          <p:cNvPr id="2" name="Title 1">
-            <a:extLst>
-              <a:ext uri="{FF2B5EF4-FFF2-40B4-BE49-F238E27FC236}">
-                <a16:creationId xmlns:a16="http://schemas.microsoft.com/office/drawing/2014/main" id="{2AAF151A-C819-4554-973E-E23389E17C13}"/>
-              </a:ext>
-            </a:extLst>
-          </p:cNvPr>
-          <p:cNvSpPr>
-            <a:spLocks noGrp="1"/>
-          </p:cNvSpPr>
-          <p:nvPr>
-            <p:ph type="title"/>
-          </p:nvPr>
-        </p:nvSpPr>
-        <p:spPr/>
-        <p:txBody>
-          <a:bodyPr/>
-          <a:lstStyle/>
-          <a:p>
-            <a:r>
-              <a:rPr lang="en-US" dirty="0"/>
-              <a:t>b. </a:t>
-            </a:r>
-            <a:r>
-              <a:rPr lang="en-US" dirty="0" err="1"/>
-              <a:t>Notasi</a:t>
-            </a:r>
-            <a:r>
-              <a:rPr lang="en-US" dirty="0"/>
-              <a:t> UML (class diagram) </a:t>
-            </a:r>
-            <a:r>
-              <a:rPr lang="en-US" dirty="0">
-                <a:sym typeface="Wingdings" panose="05000000000000000000" pitchFamily="2" charset="2"/>
-              </a:rPr>
-              <a:t> coding java</a:t>
-            </a:r>
-            <a:endParaRPr lang="en-ID" dirty="0"/>
-          </a:p>
-        </p:txBody>
-      </p:sp>
-      <p:sp>
-        <p:nvSpPr>
-          <p:cNvPr id="3" name="Content Placeholder 2">
-            <a:extLst>
-              <a:ext uri="{FF2B5EF4-FFF2-40B4-BE49-F238E27FC236}">
-                <a16:creationId xmlns:a16="http://schemas.microsoft.com/office/drawing/2014/main" id="{D86BF4A7-CEEF-4AD4-A357-E68BAC75E7F2}"/>
-              </a:ext>
-            </a:extLst>
-          </p:cNvPr>
-          <p:cNvSpPr>
-            <a:spLocks noGrp="1"/>
-          </p:cNvSpPr>
-          <p:nvPr>
-            <p:ph idx="1"/>
-          </p:nvPr>
-        </p:nvSpPr>
-        <p:spPr/>
-        <p:txBody>
-          <a:bodyPr/>
-          <a:lstStyle/>
-          <a:p>
-            <a:r>
-              <a:rPr lang="en-US" dirty="0"/>
-              <a:t>Public : +</a:t>
-            </a:r>
-          </a:p>
-          <a:p>
-            <a:r>
-              <a:rPr lang="en-ID" dirty="0"/>
-              <a:t>Private </a:t>
-            </a:r>
-            <a:r>
-              <a:rPr lang="en-US" dirty="0"/>
-              <a:t>: -</a:t>
-            </a:r>
-          </a:p>
-          <a:p>
-            <a:r>
-              <a:rPr lang="en-US" dirty="0"/>
-              <a:t>Protected </a:t>
-            </a:r>
-            <a:r>
-              <a:rPr lang="en-ID" dirty="0"/>
-              <a:t>: #</a:t>
-            </a:r>
-          </a:p>
-        </p:txBody>
-      </p:sp>
-      <p:pic>
-        <p:nvPicPr>
-          <p:cNvPr id="1028" name="Picture 4" descr="Class Diagram Private Member">
-            <a:extLst>
-              <a:ext uri="{FF2B5EF4-FFF2-40B4-BE49-F238E27FC236}">
-                <a16:creationId xmlns:a16="http://schemas.microsoft.com/office/drawing/2014/main" id="{A2B90035-678D-4E0E-9EE3-82C166625004}"/>
-              </a:ext>
-            </a:extLst>
-          </p:cNvPr>
-          <p:cNvPicPr>
-            <a:picLocks noChangeAspect="1" noChangeArrowheads="1"/>
-          </p:cNvPicPr>
-          <p:nvPr/>
-        </p:nvPicPr>
-        <p:blipFill>
-          <a:blip r:embed="rId2">
-            <a:extLst>
-              <a:ext uri="{28A0092B-C50C-407E-A947-70E740481C1C}">
-                <a14:useLocalDpi xmlns:a14="http://schemas.microsoft.com/office/drawing/2010/main" val="0"/>
-              </a:ext>
-            </a:extLst>
-          </a:blip>
-          <a:srcRect/>
-          <a:stretch>
-            <a:fillRect/>
-          </a:stretch>
-        </p:blipFill>
-        <p:spPr bwMode="auto">
-          <a:xfrm>
-            <a:off x="1375954" y="3311434"/>
-            <a:ext cx="4435792" cy="2812600"/>
-          </a:xfrm>
-          <a:prstGeom prst="rect">
-            <a:avLst/>
-          </a:prstGeom>
-          <a:noFill/>
-          <a:extLst>
-            <a:ext uri="{909E8E84-426E-40DD-AFC4-6F175D3DCCD1}">
-              <a14:hiddenFill xmlns:a14="http://schemas.microsoft.com/office/drawing/2010/main">
-                <a:solidFill>
-                  <a:srgbClr val="FFFFFF"/>
-                </a:solidFill>
-              </a14:hiddenFill>
-            </a:ext>
-          </a:extLst>
-        </p:spPr>
-      </p:pic>
-      <p:pic>
-        <p:nvPicPr>
-          <p:cNvPr id="1030" name="Picture 6" descr="Simbol modifier protected di class diagram">
-            <a:extLst>
-              <a:ext uri="{FF2B5EF4-FFF2-40B4-BE49-F238E27FC236}">
-                <a16:creationId xmlns:a16="http://schemas.microsoft.com/office/drawing/2014/main" id="{CCF19AA5-691B-4E78-9D4E-FF1DE7922940}"/>
-              </a:ext>
-            </a:extLst>
-          </p:cNvPr>
-          <p:cNvPicPr>
-            <a:picLocks noChangeAspect="1" noChangeArrowheads="1"/>
-          </p:cNvPicPr>
-          <p:nvPr/>
-        </p:nvPicPr>
-        <p:blipFill>
-          <a:blip r:embed="rId3">
-            <a:extLst>
-              <a:ext uri="{28A0092B-C50C-407E-A947-70E740481C1C}">
-                <a14:useLocalDpi xmlns:a14="http://schemas.microsoft.com/office/drawing/2010/main" val="0"/>
-              </a:ext>
-            </a:extLst>
-          </a:blip>
-          <a:srcRect/>
-          <a:stretch>
-            <a:fillRect/>
-          </a:stretch>
-        </p:blipFill>
-        <p:spPr bwMode="auto">
-          <a:xfrm>
-            <a:off x="6049871" y="3311434"/>
-            <a:ext cx="2507660" cy="2704339"/>
-          </a:xfrm>
-          <a:prstGeom prst="rect">
-            <a:avLst/>
-          </a:prstGeom>
-          <a:noFill/>
-          <a:extLst>
-            <a:ext uri="{909E8E84-426E-40DD-AFC4-6F175D3DCCD1}">
-              <a14:hiddenFill xmlns:a14="http://schemas.microsoft.com/office/drawing/2010/main">
-                <a:solidFill>
-                  <a:srgbClr val="FFFFFF"/>
-                </a:solidFill>
-              </a14:hiddenFill>
-            </a:ext>
-          </a:extLst>
-        </p:spPr>
-      </p:pic>
-    </p:spTree>
-    <p:extLst>
-      <p:ext uri="{BB962C8B-B14F-4D97-AF65-F5344CB8AC3E}">
-        <p14:creationId xmlns:p14="http://schemas.microsoft.com/office/powerpoint/2010/main" val="1949332617"/>
-      </p:ext>
-    </p:extLst>
-  </p:cSld>
-  <p:clrMapOvr>
-    <a:masterClrMapping/>
-  </p:clrMapOvr>
-</p:sld>
-</file>
-
-<file path=ppt/slides/slide31.xml><?xml version="1.0" encoding="utf-8"?>
-<p:sld xmlns:a="http://schemas.openxmlformats.org/drawingml/2006/main" xmlns:r="http://schemas.openxmlformats.org/officeDocument/2006/relationships" xmlns:p="http://schemas.openxmlformats.org/presentationml/2006/main">
-  <p:cSld>
-    <p:spTree>
-      <p:nvGrpSpPr>
-        <p:cNvPr id="1" name=""/>
-        <p:cNvGrpSpPr/>
-        <p:nvPr/>
-      </p:nvGrpSpPr>
-      <p:grpSpPr>
-        <a:xfrm>
-          <a:off x="0" y="0"/>
-          <a:ext cx="0" cy="0"/>
-          <a:chOff x="0" y="0"/>
-          <a:chExt cx="0" cy="0"/>
-        </a:xfrm>
-      </p:grpSpPr>
-      <p:sp>
-        <p:nvSpPr>
-          <p:cNvPr id="2" name="Title 1">
-            <a:extLst>
-              <a:ext uri="{FF2B5EF4-FFF2-40B4-BE49-F238E27FC236}">
-                <a16:creationId xmlns:a16="http://schemas.microsoft.com/office/drawing/2014/main" id="{9637A26E-D5C9-4554-BACA-D77933DFB9E3}"/>
-              </a:ext>
-            </a:extLst>
-          </p:cNvPr>
-          <p:cNvSpPr>
-            <a:spLocks noGrp="1"/>
-          </p:cNvSpPr>
-          <p:nvPr>
-            <p:ph type="title"/>
-          </p:nvPr>
-        </p:nvSpPr>
-        <p:spPr/>
-        <p:txBody>
-          <a:bodyPr>
-            <a:normAutofit/>
-          </a:bodyPr>
-          <a:lstStyle/>
-          <a:p>
-            <a:r>
-              <a:rPr lang="en-US" sz="4000" dirty="0" err="1"/>
-              <a:t>Analisis</a:t>
-            </a:r>
-            <a:r>
-              <a:rPr lang="en-US" sz="4000" dirty="0"/>
-              <a:t> UML(class diagram) : </a:t>
-            </a:r>
-            <a:r>
-              <a:rPr lang="en-US" sz="4000" dirty="0" err="1"/>
-              <a:t>Siswa</a:t>
-            </a:r>
-            <a:endParaRPr lang="en-ID" sz="4000" dirty="0"/>
-          </a:p>
-        </p:txBody>
-      </p:sp>
-      <p:sp>
-        <p:nvSpPr>
-          <p:cNvPr id="3" name="Content Placeholder 2">
-            <a:extLst>
-              <a:ext uri="{FF2B5EF4-FFF2-40B4-BE49-F238E27FC236}">
-                <a16:creationId xmlns:a16="http://schemas.microsoft.com/office/drawing/2014/main" id="{CC638F4A-CB51-4997-8633-E75B5B485DE5}"/>
-              </a:ext>
-            </a:extLst>
-          </p:cNvPr>
-          <p:cNvSpPr>
-            <a:spLocks noGrp="1"/>
-          </p:cNvSpPr>
-          <p:nvPr>
-            <p:ph idx="1"/>
-          </p:nvPr>
-        </p:nvSpPr>
-        <p:spPr>
-          <a:xfrm>
-            <a:off x="476251" y="3165821"/>
-            <a:ext cx="8319406" cy="3352836"/>
-          </a:xfrm>
-        </p:spPr>
-        <p:txBody>
-          <a:bodyPr/>
-          <a:lstStyle/>
-          <a:p>
-            <a:r>
-              <a:rPr lang="en-US" dirty="0"/>
-              <a:t>Class : </a:t>
-            </a:r>
-            <a:r>
-              <a:rPr lang="en-US" dirty="0" err="1"/>
-              <a:t>Siswa</a:t>
-            </a:r>
-            <a:endParaRPr lang="en-US" dirty="0"/>
-          </a:p>
-          <a:p>
-            <a:r>
-              <a:rPr lang="en-US" dirty="0"/>
-              <a:t>Property :</a:t>
-            </a:r>
-          </a:p>
-          <a:p>
-            <a:pPr marL="914377" lvl="1" indent="-457200">
-              <a:buFont typeface="+mj-lt"/>
-              <a:buAutoNum type="arabicPeriod"/>
-            </a:pPr>
-            <a:r>
-              <a:rPr lang="en-US" dirty="0"/>
-              <a:t>Nis </a:t>
-            </a:r>
-            <a:r>
-              <a:rPr lang="en-US" dirty="0" err="1"/>
-              <a:t>tipe</a:t>
-            </a:r>
-            <a:r>
-              <a:rPr lang="en-US" dirty="0"/>
-              <a:t> data integer</a:t>
-            </a:r>
-          </a:p>
-          <a:p>
-            <a:r>
-              <a:rPr lang="en-US" dirty="0"/>
-              <a:t>Method :</a:t>
-            </a:r>
-          </a:p>
-          <a:p>
-            <a:pPr marL="914377" lvl="1" indent="-457200">
-              <a:buFont typeface="+mj-lt"/>
-              <a:buAutoNum type="arabicPeriod"/>
-            </a:pPr>
-            <a:r>
-              <a:rPr lang="en-US" dirty="0" err="1"/>
-              <a:t>getNis</a:t>
-            </a:r>
-            <a:r>
-              <a:rPr lang="en-US" dirty="0"/>
-              <a:t> : public, </a:t>
-            </a:r>
-            <a:r>
-              <a:rPr lang="en-US" dirty="0" err="1"/>
-              <a:t>dengan</a:t>
-            </a:r>
-            <a:r>
-              <a:rPr lang="en-US" dirty="0"/>
-              <a:t> </a:t>
-            </a:r>
-            <a:r>
-              <a:rPr lang="en-US" dirty="0" err="1"/>
-              <a:t>tipe</a:t>
-            </a:r>
-            <a:r>
-              <a:rPr lang="en-US" dirty="0"/>
-              <a:t> method int (return value).</a:t>
-            </a:r>
-          </a:p>
-          <a:p>
-            <a:pPr marL="914377" lvl="1" indent="-457200">
-              <a:buFont typeface="+mj-lt"/>
-              <a:buAutoNum type="arabicPeriod"/>
-            </a:pPr>
-            <a:r>
-              <a:rPr lang="en-US" dirty="0" err="1"/>
-              <a:t>setNis</a:t>
-            </a:r>
-            <a:r>
-              <a:rPr lang="en-US" dirty="0"/>
-              <a:t> : public, parameter I </a:t>
-            </a:r>
-            <a:r>
-              <a:rPr lang="en-US" dirty="0" err="1"/>
-              <a:t>dengan</a:t>
-            </a:r>
-            <a:r>
-              <a:rPr lang="en-US" dirty="0"/>
-              <a:t> </a:t>
-            </a:r>
-            <a:r>
-              <a:rPr lang="en-US" dirty="0" err="1"/>
-              <a:t>tipe</a:t>
-            </a:r>
-            <a:r>
-              <a:rPr lang="en-US" dirty="0"/>
-              <a:t> data integer.</a:t>
-            </a:r>
-          </a:p>
-          <a:p>
-            <a:pPr marL="914377" lvl="1" indent="-457200">
-              <a:buFont typeface="+mj-lt"/>
-              <a:buAutoNum type="arabicPeriod"/>
-            </a:pPr>
-            <a:r>
-              <a:rPr lang="en-US" dirty="0" err="1"/>
-              <a:t>Siswa</a:t>
-            </a:r>
-            <a:r>
-              <a:rPr lang="en-US" dirty="0"/>
-              <a:t> : public, parameter </a:t>
-            </a:r>
-            <a:r>
-              <a:rPr lang="en-US" dirty="0" err="1"/>
-              <a:t>i</a:t>
-            </a:r>
-            <a:r>
-              <a:rPr lang="en-US" dirty="0"/>
-              <a:t> </a:t>
-            </a:r>
-            <a:r>
-              <a:rPr lang="en-US" dirty="0" err="1"/>
-              <a:t>dengan</a:t>
-            </a:r>
-            <a:r>
-              <a:rPr lang="en-US" dirty="0"/>
-              <a:t> </a:t>
-            </a:r>
-            <a:r>
-              <a:rPr lang="en-US" dirty="0" err="1"/>
-              <a:t>tipe</a:t>
-            </a:r>
-            <a:r>
-              <a:rPr lang="en-US" dirty="0"/>
-              <a:t> data integer.</a:t>
-            </a:r>
-          </a:p>
-          <a:p>
-            <a:pPr marL="914377" lvl="1" indent="-457200">
-              <a:buFont typeface="+mj-lt"/>
-              <a:buAutoNum type="arabicPeriod"/>
-            </a:pPr>
-            <a:endParaRPr lang="en-US" dirty="0"/>
-          </a:p>
-          <a:p>
-            <a:endParaRPr lang="en-ID" dirty="0"/>
-          </a:p>
-        </p:txBody>
-      </p:sp>
-      <p:pic>
-        <p:nvPicPr>
-          <p:cNvPr id="7" name="Picture 6">
-            <a:extLst>
-              <a:ext uri="{FF2B5EF4-FFF2-40B4-BE49-F238E27FC236}">
-                <a16:creationId xmlns:a16="http://schemas.microsoft.com/office/drawing/2014/main" id="{7B4CD92A-3A9F-4A91-8E09-E84826F166A4}"/>
-              </a:ext>
-            </a:extLst>
-          </p:cNvPr>
-          <p:cNvPicPr>
-            <a:picLocks noChangeAspect="1"/>
-          </p:cNvPicPr>
-          <p:nvPr/>
-        </p:nvPicPr>
-        <p:blipFill>
-          <a:blip r:embed="rId2"/>
-          <a:stretch>
-            <a:fillRect/>
-          </a:stretch>
-        </p:blipFill>
-        <p:spPr>
-          <a:xfrm>
-            <a:off x="3239589" y="1165551"/>
-            <a:ext cx="2664822" cy="2000270"/>
-          </a:xfrm>
-          <a:prstGeom prst="rect">
-            <a:avLst/>
-          </a:prstGeom>
-        </p:spPr>
-      </p:pic>
-    </p:spTree>
-    <p:extLst>
-      <p:ext uri="{BB962C8B-B14F-4D97-AF65-F5344CB8AC3E}">
-        <p14:creationId xmlns:p14="http://schemas.microsoft.com/office/powerpoint/2010/main" val="138545843"/>
-      </p:ext>
-    </p:extLst>
-  </p:cSld>
-  <p:clrMapOvr>
-    <a:masterClrMapping/>
-  </p:clrMapOvr>
-</p:sld>
-</file>
-
-<file path=ppt/slides/slide32.xml><?xml version="1.0" encoding="utf-8"?>
-<p:sld xmlns:a="http://schemas.openxmlformats.org/drawingml/2006/main" xmlns:r="http://schemas.openxmlformats.org/officeDocument/2006/relationships" xmlns:p="http://schemas.openxmlformats.org/presentationml/2006/main">
-  <p:cSld>
-    <p:spTree>
-      <p:nvGrpSpPr>
-        <p:cNvPr id="1" name=""/>
-        <p:cNvGrpSpPr/>
-        <p:nvPr/>
-      </p:nvGrpSpPr>
-      <p:grpSpPr>
-        <a:xfrm>
-          <a:off x="0" y="0"/>
-          <a:ext cx="0" cy="0"/>
-          <a:chOff x="0" y="0"/>
-          <a:chExt cx="0" cy="0"/>
-        </a:xfrm>
-      </p:grpSpPr>
-      <p:sp>
-        <p:nvSpPr>
-          <p:cNvPr id="2" name="Title 1">
-            <a:extLst>
-              <a:ext uri="{FF2B5EF4-FFF2-40B4-BE49-F238E27FC236}">
-                <a16:creationId xmlns:a16="http://schemas.microsoft.com/office/drawing/2014/main" id="{9637A26E-D5C9-4554-BACA-D77933DFB9E3}"/>
-              </a:ext>
-            </a:extLst>
-          </p:cNvPr>
-          <p:cNvSpPr>
-            <a:spLocks noGrp="1"/>
-          </p:cNvSpPr>
-          <p:nvPr>
-            <p:ph type="title"/>
-          </p:nvPr>
-        </p:nvSpPr>
-        <p:spPr/>
-        <p:txBody>
-          <a:bodyPr/>
-          <a:lstStyle/>
-          <a:p>
-            <a:r>
-              <a:rPr lang="en-US" dirty="0"/>
-              <a:t>Code UML(class diagram) : </a:t>
-            </a:r>
-            <a:r>
-              <a:rPr lang="en-US" dirty="0" err="1"/>
-              <a:t>Siswa</a:t>
-            </a:r>
-            <a:endParaRPr lang="en-ID" dirty="0"/>
-          </a:p>
-        </p:txBody>
-      </p:sp>
-      <p:sp>
-        <p:nvSpPr>
-          <p:cNvPr id="6" name="Content Placeholder 5">
-            <a:extLst>
-              <a:ext uri="{FF2B5EF4-FFF2-40B4-BE49-F238E27FC236}">
-                <a16:creationId xmlns:a16="http://schemas.microsoft.com/office/drawing/2014/main" id="{35F23B3D-7576-4FBB-9719-AB8F0DD4697A}"/>
-              </a:ext>
-            </a:extLst>
-          </p:cNvPr>
-          <p:cNvSpPr>
-            <a:spLocks noGrp="1"/>
-          </p:cNvSpPr>
-          <p:nvPr>
-            <p:ph idx="1"/>
-          </p:nvPr>
-        </p:nvSpPr>
-        <p:spPr/>
-        <p:txBody>
-          <a:bodyPr/>
-          <a:lstStyle/>
-          <a:p>
-            <a:endParaRPr lang="en-ID"/>
-          </a:p>
-        </p:txBody>
-      </p:sp>
-      <p:pic>
-        <p:nvPicPr>
-          <p:cNvPr id="7" name="Picture 6">
-            <a:extLst>
-              <a:ext uri="{FF2B5EF4-FFF2-40B4-BE49-F238E27FC236}">
-                <a16:creationId xmlns:a16="http://schemas.microsoft.com/office/drawing/2014/main" id="{CD80D6E1-E7E2-438A-B4A3-45BFD8FAC240}"/>
-              </a:ext>
-            </a:extLst>
-          </p:cNvPr>
-          <p:cNvPicPr>
-            <a:picLocks noChangeAspect="1"/>
-          </p:cNvPicPr>
-          <p:nvPr/>
-        </p:nvPicPr>
-        <p:blipFill>
-          <a:blip r:embed="rId2"/>
-          <a:stretch>
-            <a:fillRect/>
-          </a:stretch>
-        </p:blipFill>
-        <p:spPr>
-          <a:xfrm>
-            <a:off x="0" y="1658982"/>
-            <a:ext cx="9144000" cy="4700588"/>
-          </a:xfrm>
-          <a:prstGeom prst="rect">
-            <a:avLst/>
-          </a:prstGeom>
-        </p:spPr>
-      </p:pic>
-    </p:spTree>
-    <p:extLst>
-      <p:ext uri="{BB962C8B-B14F-4D97-AF65-F5344CB8AC3E}">
-        <p14:creationId xmlns:p14="http://schemas.microsoft.com/office/powerpoint/2010/main" val="1571044480"/>
-      </p:ext>
-    </p:extLst>
-  </p:cSld>
-  <p:clrMapOvr>
-    <a:masterClrMapping/>
-  </p:clrMapOvr>
-</p:sld>
-</file>
-
-<file path=ppt/slides/slide33.xml><?xml version="1.0" encoding="utf-8"?>
-<p:sld xmlns:a="http://schemas.openxmlformats.org/drawingml/2006/main" xmlns:r="http://schemas.openxmlformats.org/officeDocument/2006/relationships" xmlns:p="http://schemas.openxmlformats.org/presentationml/2006/main">
-  <p:cSld>
-    <p:spTree>
-      <p:nvGrpSpPr>
-        <p:cNvPr id="1" name=""/>
-        <p:cNvGrpSpPr/>
-        <p:nvPr/>
-      </p:nvGrpSpPr>
-      <p:grpSpPr>
-        <a:xfrm>
-          <a:off x="0" y="0"/>
-          <a:ext cx="0" cy="0"/>
-          <a:chOff x="0" y="0"/>
-          <a:chExt cx="0" cy="0"/>
-        </a:xfrm>
-      </p:grpSpPr>
-      <p:sp>
-        <p:nvSpPr>
-          <p:cNvPr id="2" name="Title 1">
-            <a:extLst>
-              <a:ext uri="{FF2B5EF4-FFF2-40B4-BE49-F238E27FC236}">
-                <a16:creationId xmlns:a16="http://schemas.microsoft.com/office/drawing/2014/main" id="{9637A26E-D5C9-4554-BACA-D77933DFB9E3}"/>
-              </a:ext>
-            </a:extLst>
-          </p:cNvPr>
-          <p:cNvSpPr>
-            <a:spLocks noGrp="1"/>
-          </p:cNvSpPr>
-          <p:nvPr>
-            <p:ph type="title"/>
-          </p:nvPr>
-        </p:nvSpPr>
-        <p:spPr/>
-        <p:txBody>
-          <a:bodyPr/>
-          <a:lstStyle/>
-          <a:p>
-            <a:r>
-              <a:rPr lang="en-US" dirty="0" err="1"/>
-              <a:t>Latihan</a:t>
-            </a:r>
-            <a:r>
-              <a:rPr lang="en-US" dirty="0"/>
-              <a:t> UML(class diagram) : Tabungan</a:t>
-            </a:r>
-            <a:endParaRPr lang="en-ID" dirty="0"/>
-          </a:p>
-        </p:txBody>
-      </p:sp>
-      <p:sp>
-        <p:nvSpPr>
-          <p:cNvPr id="3" name="Content Placeholder 2">
-            <a:extLst>
-              <a:ext uri="{FF2B5EF4-FFF2-40B4-BE49-F238E27FC236}">
-                <a16:creationId xmlns:a16="http://schemas.microsoft.com/office/drawing/2014/main" id="{CC638F4A-CB51-4997-8633-E75B5B485DE5}"/>
-              </a:ext>
-            </a:extLst>
-          </p:cNvPr>
-          <p:cNvSpPr>
-            <a:spLocks noGrp="1"/>
-          </p:cNvSpPr>
-          <p:nvPr>
-            <p:ph idx="1"/>
-          </p:nvPr>
-        </p:nvSpPr>
-        <p:spPr>
-          <a:xfrm>
-            <a:off x="476251" y="4781550"/>
-            <a:ext cx="8319406" cy="1737107"/>
-          </a:xfrm>
-        </p:spPr>
-        <p:txBody>
-          <a:bodyPr/>
-          <a:lstStyle/>
-          <a:p>
-            <a:r>
-              <a:rPr lang="en-US" dirty="0"/>
-              <a:t>ANALISA?</a:t>
-            </a:r>
-          </a:p>
-          <a:p>
-            <a:r>
-              <a:rPr lang="en-US" dirty="0"/>
-              <a:t>CODE?</a:t>
-            </a:r>
-            <a:endParaRPr lang="en-ID" dirty="0"/>
-          </a:p>
-        </p:txBody>
-      </p:sp>
-      <p:pic>
-        <p:nvPicPr>
-          <p:cNvPr id="6" name="Picture 5">
-            <a:extLst>
-              <a:ext uri="{FF2B5EF4-FFF2-40B4-BE49-F238E27FC236}">
-                <a16:creationId xmlns:a16="http://schemas.microsoft.com/office/drawing/2014/main" id="{066F315F-BF0D-4A23-AD43-7357F5B54490}"/>
-              </a:ext>
-            </a:extLst>
-          </p:cNvPr>
-          <p:cNvPicPr>
-            <a:picLocks noChangeAspect="1"/>
-          </p:cNvPicPr>
-          <p:nvPr/>
-        </p:nvPicPr>
-        <p:blipFill>
-          <a:blip r:embed="rId2"/>
-          <a:stretch>
-            <a:fillRect/>
-          </a:stretch>
-        </p:blipFill>
-        <p:spPr>
-          <a:xfrm>
-            <a:off x="2590799" y="1175391"/>
-            <a:ext cx="3394664" cy="3339875"/>
-          </a:xfrm>
-          <a:prstGeom prst="rect">
-            <a:avLst/>
-          </a:prstGeom>
-        </p:spPr>
-      </p:pic>
-    </p:spTree>
-    <p:extLst>
-      <p:ext uri="{BB962C8B-B14F-4D97-AF65-F5344CB8AC3E}">
-        <p14:creationId xmlns:p14="http://schemas.microsoft.com/office/powerpoint/2010/main" val="2100722561"/>
-      </p:ext>
-    </p:extLst>
-  </p:cSld>
-  <p:clrMapOvr>
-    <a:masterClrMapping/>
-  </p:clrMapOvr>
-</p:sld>
-</file>
-
-<file path=ppt/slides/slide34.xml><?xml version="1.0" encoding="utf-8"?>
-<p:sld xmlns:a="http://schemas.openxmlformats.org/drawingml/2006/main" xmlns:r="http://schemas.openxmlformats.org/officeDocument/2006/relationships" xmlns:p="http://schemas.openxmlformats.org/presentationml/2006/main">
-  <p:cSld>
-    <p:spTree>
-      <p:nvGrpSpPr>
-        <p:cNvPr id="1" name=""/>
-        <p:cNvGrpSpPr/>
-        <p:nvPr/>
-      </p:nvGrpSpPr>
-      <p:grpSpPr>
-        <a:xfrm>
-          <a:off x="0" y="0"/>
-          <a:ext cx="0" cy="0"/>
-          <a:chOff x="0" y="0"/>
-          <a:chExt cx="0" cy="0"/>
-        </a:xfrm>
-      </p:grpSpPr>
-      <p:sp>
-        <p:nvSpPr>
-          <p:cNvPr id="2" name="Title 1">
-            <a:extLst>
-              <a:ext uri="{FF2B5EF4-FFF2-40B4-BE49-F238E27FC236}">
-                <a16:creationId xmlns:a16="http://schemas.microsoft.com/office/drawing/2014/main" id="{DAAA51E7-25DD-49A3-8990-1E20BC56E044}"/>
-              </a:ext>
-            </a:extLst>
-          </p:cNvPr>
-          <p:cNvSpPr>
-            <a:spLocks noGrp="1"/>
-          </p:cNvSpPr>
-          <p:nvPr>
-            <p:ph type="title"/>
-          </p:nvPr>
-        </p:nvSpPr>
-        <p:spPr/>
-        <p:txBody>
-          <a:bodyPr/>
-          <a:lstStyle/>
-          <a:p>
-            <a:r>
-              <a:rPr lang="en-US" dirty="0"/>
-              <a:t>Tabungan</a:t>
-            </a:r>
-            <a:endParaRPr lang="en-ID" dirty="0"/>
-          </a:p>
-        </p:txBody>
-      </p:sp>
-      <p:sp>
-        <p:nvSpPr>
-          <p:cNvPr id="3" name="Content Placeholder 2">
-            <a:extLst>
-              <a:ext uri="{FF2B5EF4-FFF2-40B4-BE49-F238E27FC236}">
-                <a16:creationId xmlns:a16="http://schemas.microsoft.com/office/drawing/2014/main" id="{DD3171BF-3628-4F14-81C8-701E086F3051}"/>
-              </a:ext>
-            </a:extLst>
-          </p:cNvPr>
-          <p:cNvSpPr>
-            <a:spLocks noGrp="1"/>
-          </p:cNvSpPr>
-          <p:nvPr>
-            <p:ph idx="1"/>
-          </p:nvPr>
-        </p:nvSpPr>
-        <p:spPr/>
-        <p:txBody>
-          <a:bodyPr/>
-          <a:lstStyle/>
-          <a:p>
-            <a:endParaRPr lang="en-ID"/>
-          </a:p>
-        </p:txBody>
-      </p:sp>
-      <p:pic>
-        <p:nvPicPr>
-          <p:cNvPr id="4" name="Picture 3">
-            <a:extLst>
-              <a:ext uri="{FF2B5EF4-FFF2-40B4-BE49-F238E27FC236}">
-                <a16:creationId xmlns:a16="http://schemas.microsoft.com/office/drawing/2014/main" id="{8BCA52E2-41DF-4B59-B31B-E7536C33F347}"/>
-              </a:ext>
-            </a:extLst>
-          </p:cNvPr>
-          <p:cNvPicPr>
-            <a:picLocks noChangeAspect="1"/>
-          </p:cNvPicPr>
-          <p:nvPr/>
-        </p:nvPicPr>
-        <p:blipFill>
-          <a:blip r:embed="rId2"/>
-          <a:stretch>
-            <a:fillRect/>
-          </a:stretch>
-        </p:blipFill>
-        <p:spPr>
-          <a:xfrm>
-            <a:off x="0" y="1839501"/>
-            <a:ext cx="9144000" cy="4679156"/>
-          </a:xfrm>
-          <a:prstGeom prst="rect">
-            <a:avLst/>
-          </a:prstGeom>
-        </p:spPr>
-      </p:pic>
-    </p:spTree>
-    <p:extLst>
-      <p:ext uri="{BB962C8B-B14F-4D97-AF65-F5344CB8AC3E}">
-        <p14:creationId xmlns:p14="http://schemas.microsoft.com/office/powerpoint/2010/main" val="640262945"/>
       </p:ext>
     </p:extLst>
   </p:cSld>
@@ -12483,10 +10552,6 @@
           <a:bodyPr/>
           <a:lstStyle/>
           <a:p>
-            <a:r>
-              <a:rPr lang="en-US" dirty="0"/>
-              <a:t>a. </a:t>
-            </a:r>
             <a:r>
               <a:rPr lang="en-US" dirty="0" err="1"/>
               <a:t>Konsep</a:t>
@@ -16739,6 +14804,90 @@
           <p:cNvPr id="2" name="Title 1">
             <a:extLst>
               <a:ext uri="{FF2B5EF4-FFF2-40B4-BE49-F238E27FC236}">
+                <a16:creationId xmlns:a16="http://schemas.microsoft.com/office/drawing/2014/main" id="{191B2EAA-2498-4882-A241-8495E8D31671}"/>
+              </a:ext>
+            </a:extLst>
+          </p:cNvPr>
+          <p:cNvSpPr>
+            <a:spLocks noGrp="1"/>
+          </p:cNvSpPr>
+          <p:nvPr>
+            <p:ph type="title"/>
+          </p:nvPr>
+        </p:nvSpPr>
+        <p:spPr/>
+        <p:txBody>
+          <a:bodyPr/>
+          <a:lstStyle/>
+          <a:p>
+            <a:r>
+              <a:rPr lang="en-US" dirty="0"/>
+              <a:t>2) Class</a:t>
+            </a:r>
+            <a:endParaRPr lang="en-ID" dirty="0"/>
+          </a:p>
+        </p:txBody>
+      </p:sp>
+      <p:sp>
+        <p:nvSpPr>
+          <p:cNvPr id="3" name="Text Placeholder 2">
+            <a:extLst>
+              <a:ext uri="{FF2B5EF4-FFF2-40B4-BE49-F238E27FC236}">
+                <a16:creationId xmlns:a16="http://schemas.microsoft.com/office/drawing/2014/main" id="{15945CD3-43D7-4DBC-975F-9A5FD3824D49}"/>
+              </a:ext>
+            </a:extLst>
+          </p:cNvPr>
+          <p:cNvSpPr>
+            <a:spLocks noGrp="1"/>
+          </p:cNvSpPr>
+          <p:nvPr>
+            <p:ph type="body" idx="1"/>
+          </p:nvPr>
+        </p:nvSpPr>
+        <p:spPr/>
+        <p:txBody>
+          <a:bodyPr/>
+          <a:lstStyle/>
+          <a:p>
+            <a:endParaRPr lang="en-ID"/>
+          </a:p>
+        </p:txBody>
+      </p:sp>
+    </p:spTree>
+    <p:extLst>
+      <p:ext uri="{BB962C8B-B14F-4D97-AF65-F5344CB8AC3E}">
+        <p14:creationId xmlns:p14="http://schemas.microsoft.com/office/powerpoint/2010/main" val="2292127731"/>
+      </p:ext>
+    </p:extLst>
+  </p:cSld>
+  <p:clrMapOvr>
+    <a:masterClrMapping/>
+  </p:clrMapOvr>
+</p:sld>
+</file>
+
+<file path=ppt/slides/slide9.xml><?xml version="1.0" encoding="utf-8"?>
+<p:sld xmlns:a="http://schemas.openxmlformats.org/drawingml/2006/main" xmlns:r="http://schemas.openxmlformats.org/officeDocument/2006/relationships" xmlns:p="http://schemas.openxmlformats.org/presentationml/2006/main">
+  <p:cSld>
+    <p:spTree>
+      <p:nvGrpSpPr>
+        <p:cNvPr id="1" name=""/>
+        <p:cNvGrpSpPr/>
+        <p:nvPr/>
+      </p:nvGrpSpPr>
+      <p:grpSpPr>
+        <a:xfrm>
+          <a:off x="0" y="0"/>
+          <a:ext cx="0" cy="0"/>
+          <a:chOff x="0" y="0"/>
+          <a:chExt cx="0" cy="0"/>
+        </a:xfrm>
+      </p:grpSpPr>
+      <p:sp>
+        <p:nvSpPr>
+          <p:cNvPr id="2" name="Title 1">
+            <a:extLst>
+              <a:ext uri="{FF2B5EF4-FFF2-40B4-BE49-F238E27FC236}">
                 <a16:creationId xmlns:a16="http://schemas.microsoft.com/office/drawing/2014/main" id="{315E2AC6-47FC-41AB-BA65-AD21BC764323}"/>
               </a:ext>
             </a:extLst>
@@ -16756,8 +14905,12 @@
           <a:lstStyle/>
           <a:p>
             <a:r>
+              <a:rPr lang="en-US" dirty="0" err="1"/>
+              <a:t>Konsep</a:t>
+            </a:r>
+            <a:r>
               <a:rPr lang="en-US" dirty="0"/>
-              <a:t>b. Class</a:t>
+              <a:t> Class</a:t>
             </a:r>
             <a:endParaRPr lang="en-ID" dirty="0"/>
           </a:p>
@@ -17264,128 +15417,6 @@
     <p:extLst>
       <p:ext uri="{BB962C8B-B14F-4D97-AF65-F5344CB8AC3E}">
         <p14:creationId xmlns:p14="http://schemas.microsoft.com/office/powerpoint/2010/main" val="2010758676"/>
-      </p:ext>
-    </p:extLst>
-  </p:cSld>
-  <p:clrMapOvr>
-    <a:masterClrMapping/>
-  </p:clrMapOvr>
-</p:sld>
-</file>
-
-<file path=ppt/slides/slide9.xml><?xml version="1.0" encoding="utf-8"?>
-<p:sld xmlns:a="http://schemas.openxmlformats.org/drawingml/2006/main" xmlns:r="http://schemas.openxmlformats.org/officeDocument/2006/relationships" xmlns:p="http://schemas.openxmlformats.org/presentationml/2006/main">
-  <p:cSld>
-    <p:spTree>
-      <p:nvGrpSpPr>
-        <p:cNvPr id="1" name=""/>
-        <p:cNvGrpSpPr/>
-        <p:nvPr/>
-      </p:nvGrpSpPr>
-      <p:grpSpPr>
-        <a:xfrm>
-          <a:off x="0" y="0"/>
-          <a:ext cx="0" cy="0"/>
-          <a:chOff x="0" y="0"/>
-          <a:chExt cx="0" cy="0"/>
-        </a:xfrm>
-      </p:grpSpPr>
-      <p:sp>
-        <p:nvSpPr>
-          <p:cNvPr id="2" name="Title 1">
-            <a:extLst>
-              <a:ext uri="{FF2B5EF4-FFF2-40B4-BE49-F238E27FC236}">
-                <a16:creationId xmlns:a16="http://schemas.microsoft.com/office/drawing/2014/main" id="{552044BD-FA12-4950-A790-EE44065DCC50}"/>
-              </a:ext>
-            </a:extLst>
-          </p:cNvPr>
-          <p:cNvSpPr>
-            <a:spLocks noGrp="1"/>
-          </p:cNvSpPr>
-          <p:nvPr>
-            <p:ph type="title"/>
-          </p:nvPr>
-        </p:nvSpPr>
-        <p:spPr/>
-        <p:txBody>
-          <a:bodyPr/>
-          <a:lstStyle/>
-          <a:p>
-            <a:r>
-              <a:rPr lang="en-US" dirty="0" err="1"/>
-              <a:t>Buat</a:t>
-            </a:r>
-            <a:r>
-              <a:rPr lang="en-US" dirty="0"/>
-              <a:t> Main class </a:t>
-            </a:r>
-            <a:r>
-              <a:rPr lang="en-US" dirty="0" err="1"/>
-              <a:t>Sinauclass</a:t>
-            </a:r>
-            <a:endParaRPr lang="en-ID" dirty="0"/>
-          </a:p>
-        </p:txBody>
-      </p:sp>
-      <p:sp>
-        <p:nvSpPr>
-          <p:cNvPr id="3" name="Content Placeholder 2">
-            <a:extLst>
-              <a:ext uri="{FF2B5EF4-FFF2-40B4-BE49-F238E27FC236}">
-                <a16:creationId xmlns:a16="http://schemas.microsoft.com/office/drawing/2014/main" id="{A367ABF0-5CA4-400C-95E1-DB985DE1985B}"/>
-              </a:ext>
-            </a:extLst>
-          </p:cNvPr>
-          <p:cNvSpPr>
-            <a:spLocks noGrp="1"/>
-          </p:cNvSpPr>
-          <p:nvPr>
-            <p:ph idx="1"/>
-          </p:nvPr>
-        </p:nvSpPr>
-        <p:spPr/>
-        <p:txBody>
-          <a:bodyPr/>
-          <a:lstStyle/>
-          <a:p>
-            <a:endParaRPr lang="en-ID" b="1" dirty="0"/>
-          </a:p>
-        </p:txBody>
-      </p:sp>
-      <p:pic>
-        <p:nvPicPr>
-          <p:cNvPr id="4" name="Picture 3">
-            <a:extLst>
-              <a:ext uri="{FF2B5EF4-FFF2-40B4-BE49-F238E27FC236}">
-                <a16:creationId xmlns:a16="http://schemas.microsoft.com/office/drawing/2014/main" id="{70327AEC-2DAF-49D2-A88E-D3C48BB2E2E6}"/>
-              </a:ext>
-            </a:extLst>
-          </p:cNvPr>
-          <p:cNvPicPr>
-            <a:picLocks noChangeAspect="1"/>
-          </p:cNvPicPr>
-          <p:nvPr/>
-        </p:nvPicPr>
-        <p:blipFill>
-          <a:blip r:embed="rId2"/>
-          <a:stretch>
-            <a:fillRect/>
-          </a:stretch>
-        </p:blipFill>
-        <p:spPr>
-          <a:xfrm>
-            <a:off x="0" y="1658982"/>
-            <a:ext cx="9144000" cy="4383566"/>
-          </a:xfrm>
-          <a:prstGeom prst="rect">
-            <a:avLst/>
-          </a:prstGeom>
-        </p:spPr>
-      </p:pic>
-    </p:spTree>
-    <p:extLst>
-      <p:ext uri="{BB962C8B-B14F-4D97-AF65-F5344CB8AC3E}">
-        <p14:creationId xmlns:p14="http://schemas.microsoft.com/office/powerpoint/2010/main" val="1832995932"/>
       </p:ext>
     </p:extLst>
   </p:cSld>
